--- a/Homework2/BankClassify/doc/数据仓库报告.pptx
+++ b/Homework2/BankClassify/doc/数据仓库报告.pptx
@@ -6,24 +6,23 @@
     <p:sldMasterId id="2147483679" r:id="rId2"/>
   </p:sldMasterIdLst>
   <p:notesMasterIdLst>
-    <p:notesMasterId r:id="rId18"/>
+    <p:notesMasterId r:id="rId17"/>
   </p:notesMasterIdLst>
   <p:sldIdLst>
     <p:sldId id="256" r:id="rId3"/>
     <p:sldId id="348" r:id="rId4"/>
     <p:sldId id="349" r:id="rId5"/>
     <p:sldId id="474" r:id="rId6"/>
-    <p:sldId id="476" r:id="rId7"/>
-    <p:sldId id="477" r:id="rId8"/>
-    <p:sldId id="479" r:id="rId9"/>
-    <p:sldId id="482" r:id="rId10"/>
-    <p:sldId id="483" r:id="rId11"/>
-    <p:sldId id="485" r:id="rId12"/>
-    <p:sldId id="488" r:id="rId13"/>
-    <p:sldId id="489" r:id="rId14"/>
-    <p:sldId id="491" r:id="rId15"/>
-    <p:sldId id="495" r:id="rId16"/>
-    <p:sldId id="497" r:id="rId17"/>
+    <p:sldId id="477" r:id="rId7"/>
+    <p:sldId id="479" r:id="rId8"/>
+    <p:sldId id="482" r:id="rId9"/>
+    <p:sldId id="483" r:id="rId10"/>
+    <p:sldId id="485" r:id="rId11"/>
+    <p:sldId id="488" r:id="rId12"/>
+    <p:sldId id="489" r:id="rId13"/>
+    <p:sldId id="491" r:id="rId14"/>
+    <p:sldId id="495" r:id="rId15"/>
+    <p:sldId id="497" r:id="rId16"/>
   </p:sldIdLst>
   <p:sldSz cx="12192000" cy="6858000"/>
   <p:notesSz cx="6858000" cy="9144000"/>
@@ -5565,12 +5564,8 @@
           <a:lstStyle/>
           <a:p>
             <a:r>
-              <a:rPr lang="en-US" altLang="zh-CN" dirty="0" smtClean="0"/>
-              <a:t>K-NN</a:t>
-            </a:r>
-            <a:r>
               <a:rPr lang="zh-CN" altLang="en-US" dirty="0" smtClean="0"/>
-              <a:t>算法</a:t>
+              <a:t>正负样例平衡方法</a:t>
             </a:r>
             <a:endParaRPr lang="zh-CN" altLang="en-US" dirty="0"/>
           </a:p>
@@ -5592,12 +5587,8 @@
           <a:lstStyle/>
           <a:p>
             <a:r>
-              <a:rPr lang="en-US" altLang="zh-CN" sz="2400" dirty="0"/>
-              <a:t>4</a:t>
-            </a:r>
-            <a:r>
               <a:rPr lang="en-US" altLang="zh-CN" sz="2400" dirty="0" smtClean="0"/>
-              <a:t>-1</a:t>
+              <a:t>4-2</a:t>
             </a:r>
             <a:endParaRPr lang="zh-CN" altLang="en-US" sz="2400" dirty="0"/>
           </a:p>
@@ -5634,7 +5625,7 @@
       </p:sp>
       <p:pic>
         <p:nvPicPr>
-          <p:cNvPr id="4" name="图片 3"/>
+          <p:cNvPr id="5" name="图片 4"/>
           <p:cNvPicPr>
             <a:picLocks noChangeAspect="1"/>
           </p:cNvPicPr>
@@ -5648,24 +5639,1369 @@
         </p:blipFill>
         <p:spPr>
           <a:xfrm>
-            <a:off x="1485900" y="1533525"/>
-            <a:ext cx="9220200" cy="3790950"/>
+            <a:off x="1524000" y="1305342"/>
+            <a:ext cx="9144000" cy="2057400"/>
           </a:xfrm>
           <a:prstGeom prst="rect">
             <a:avLst/>
           </a:prstGeom>
         </p:spPr>
       </p:pic>
+      <p:sp>
+        <p:nvSpPr>
+          <p:cNvPr id="7" name="椭圆 6"/>
+          <p:cNvSpPr/>
+          <p:nvPr/>
+        </p:nvSpPr>
+        <p:spPr>
+          <a:xfrm>
+            <a:off x="1402672" y="3693111"/>
+            <a:ext cx="2356483" cy="2317072"/>
+          </a:xfrm>
+          <a:prstGeom prst="ellipse">
+            <a:avLst/>
+          </a:prstGeom>
+          <a:noFill/>
+          <a:ln w="28575">
+            <a:solidFill>
+              <a:schemeClr val="tx1"/>
+            </a:solidFill>
+          </a:ln>
+        </p:spPr>
+        <p:style>
+          <a:lnRef idx="2">
+            <a:schemeClr val="accent1">
+              <a:shade val="50000"/>
+            </a:schemeClr>
+          </a:lnRef>
+          <a:fillRef idx="1">
+            <a:schemeClr val="accent1"/>
+          </a:fillRef>
+          <a:effectRef idx="0">
+            <a:schemeClr val="accent1"/>
+          </a:effectRef>
+          <a:fontRef idx="minor">
+            <a:schemeClr val="lt1"/>
+          </a:fontRef>
+        </p:style>
+        <p:txBody>
+          <a:bodyPr rtlCol="0" anchor="ctr"/>
+          <a:lstStyle/>
+          <a:p>
+            <a:pPr algn="ctr"/>
+            <a:endParaRPr kumimoji="1" lang="zh-CN" altLang="en-US">
+              <a:solidFill>
+                <a:schemeClr val="tx1"/>
+              </a:solidFill>
+            </a:endParaRPr>
+          </a:p>
+        </p:txBody>
+      </p:sp>
+      <p:sp>
+        <p:nvSpPr>
+          <p:cNvPr id="8" name="椭圆 7"/>
+          <p:cNvSpPr/>
+          <p:nvPr/>
+        </p:nvSpPr>
+        <p:spPr>
+          <a:xfrm>
+            <a:off x="7565254" y="3693111"/>
+            <a:ext cx="2356483" cy="2317072"/>
+          </a:xfrm>
+          <a:prstGeom prst="ellipse">
+            <a:avLst/>
+          </a:prstGeom>
+          <a:noFill/>
+          <a:ln w="28575">
+            <a:solidFill>
+              <a:schemeClr val="tx1"/>
+            </a:solidFill>
+          </a:ln>
+        </p:spPr>
+        <p:style>
+          <a:lnRef idx="2">
+            <a:schemeClr val="accent1">
+              <a:shade val="50000"/>
+            </a:schemeClr>
+          </a:lnRef>
+          <a:fillRef idx="1">
+            <a:schemeClr val="accent1"/>
+          </a:fillRef>
+          <a:effectRef idx="0">
+            <a:schemeClr val="accent1"/>
+          </a:effectRef>
+          <a:fontRef idx="minor">
+            <a:schemeClr val="lt1"/>
+          </a:fontRef>
+        </p:style>
+        <p:txBody>
+          <a:bodyPr rtlCol="0" anchor="ctr"/>
+          <a:lstStyle/>
+          <a:p>
+            <a:pPr algn="ctr"/>
+            <a:endParaRPr kumimoji="1" lang="zh-CN" altLang="en-US">
+              <a:solidFill>
+                <a:schemeClr val="tx1"/>
+              </a:solidFill>
+            </a:endParaRPr>
+          </a:p>
+        </p:txBody>
+      </p:sp>
+      <p:sp>
+        <p:nvSpPr>
+          <p:cNvPr id="22" name="等腰三角形 21"/>
+          <p:cNvSpPr/>
+          <p:nvPr/>
+        </p:nvSpPr>
+        <p:spPr>
+          <a:xfrm>
+            <a:off x="2015231" y="4296792"/>
+            <a:ext cx="159798" cy="150921"/>
+          </a:xfrm>
+          <a:prstGeom prst="triangle">
+            <a:avLst/>
+          </a:prstGeom>
+          <a:ln>
+            <a:noFill/>
+          </a:ln>
+        </p:spPr>
+        <p:style>
+          <a:lnRef idx="2">
+            <a:schemeClr val="accent1">
+              <a:shade val="50000"/>
+            </a:schemeClr>
+          </a:lnRef>
+          <a:fillRef idx="1">
+            <a:schemeClr val="accent1"/>
+          </a:fillRef>
+          <a:effectRef idx="0">
+            <a:schemeClr val="accent1"/>
+          </a:effectRef>
+          <a:fontRef idx="minor">
+            <a:schemeClr val="lt1"/>
+          </a:fontRef>
+        </p:style>
+        <p:txBody>
+          <a:bodyPr rtlCol="0" anchor="ctr"/>
+          <a:lstStyle/>
+          <a:p>
+            <a:pPr algn="ctr"/>
+            <a:endParaRPr kumimoji="1" lang="zh-CN" altLang="en-US">
+              <a:solidFill>
+                <a:schemeClr val="tx1"/>
+              </a:solidFill>
+            </a:endParaRPr>
+          </a:p>
+        </p:txBody>
+      </p:sp>
+      <p:sp>
+        <p:nvSpPr>
+          <p:cNvPr id="23" name="等腰三角形 22"/>
+          <p:cNvSpPr/>
+          <p:nvPr/>
+        </p:nvSpPr>
+        <p:spPr>
+          <a:xfrm>
+            <a:off x="2544932" y="4221331"/>
+            <a:ext cx="159798" cy="150921"/>
+          </a:xfrm>
+          <a:prstGeom prst="triangle">
+            <a:avLst/>
+          </a:prstGeom>
+          <a:ln>
+            <a:noFill/>
+          </a:ln>
+        </p:spPr>
+        <p:style>
+          <a:lnRef idx="2">
+            <a:schemeClr val="accent1">
+              <a:shade val="50000"/>
+            </a:schemeClr>
+          </a:lnRef>
+          <a:fillRef idx="1">
+            <a:schemeClr val="accent1"/>
+          </a:fillRef>
+          <a:effectRef idx="0">
+            <a:schemeClr val="accent1"/>
+          </a:effectRef>
+          <a:fontRef idx="minor">
+            <a:schemeClr val="lt1"/>
+          </a:fontRef>
+        </p:style>
+        <p:txBody>
+          <a:bodyPr rtlCol="0" anchor="ctr"/>
+          <a:lstStyle/>
+          <a:p>
+            <a:pPr algn="ctr"/>
+            <a:endParaRPr kumimoji="1" lang="zh-CN" altLang="en-US">
+              <a:solidFill>
+                <a:schemeClr val="tx1"/>
+              </a:solidFill>
+            </a:endParaRPr>
+          </a:p>
+        </p:txBody>
+      </p:sp>
+      <p:sp>
+        <p:nvSpPr>
+          <p:cNvPr id="24" name="等腰三角形 23"/>
+          <p:cNvSpPr/>
+          <p:nvPr/>
+        </p:nvSpPr>
+        <p:spPr>
+          <a:xfrm>
+            <a:off x="1899822" y="4830931"/>
+            <a:ext cx="159798" cy="150921"/>
+          </a:xfrm>
+          <a:prstGeom prst="triangle">
+            <a:avLst/>
+          </a:prstGeom>
+          <a:ln>
+            <a:noFill/>
+          </a:ln>
+        </p:spPr>
+        <p:style>
+          <a:lnRef idx="2">
+            <a:schemeClr val="accent1">
+              <a:shade val="50000"/>
+            </a:schemeClr>
+          </a:lnRef>
+          <a:fillRef idx="1">
+            <a:schemeClr val="accent1"/>
+          </a:fillRef>
+          <a:effectRef idx="0">
+            <a:schemeClr val="accent1"/>
+          </a:effectRef>
+          <a:fontRef idx="minor">
+            <a:schemeClr val="lt1"/>
+          </a:fontRef>
+        </p:style>
+        <p:txBody>
+          <a:bodyPr rtlCol="0" anchor="ctr"/>
+          <a:lstStyle/>
+          <a:p>
+            <a:pPr algn="ctr"/>
+            <a:endParaRPr kumimoji="1" lang="zh-CN" altLang="en-US">
+              <a:solidFill>
+                <a:schemeClr val="tx1"/>
+              </a:solidFill>
+            </a:endParaRPr>
+          </a:p>
+        </p:txBody>
+      </p:sp>
+      <p:sp>
+        <p:nvSpPr>
+          <p:cNvPr id="25" name="等腰三角形 24"/>
+          <p:cNvSpPr/>
+          <p:nvPr/>
+        </p:nvSpPr>
+        <p:spPr>
+          <a:xfrm>
+            <a:off x="2160233" y="5154966"/>
+            <a:ext cx="159798" cy="150921"/>
+          </a:xfrm>
+          <a:prstGeom prst="triangle">
+            <a:avLst/>
+          </a:prstGeom>
+          <a:ln>
+            <a:noFill/>
+          </a:ln>
+        </p:spPr>
+        <p:style>
+          <a:lnRef idx="2">
+            <a:schemeClr val="accent1">
+              <a:shade val="50000"/>
+            </a:schemeClr>
+          </a:lnRef>
+          <a:fillRef idx="1">
+            <a:schemeClr val="accent1"/>
+          </a:fillRef>
+          <a:effectRef idx="0">
+            <a:schemeClr val="accent1"/>
+          </a:effectRef>
+          <a:fontRef idx="minor">
+            <a:schemeClr val="lt1"/>
+          </a:fontRef>
+        </p:style>
+        <p:txBody>
+          <a:bodyPr rtlCol="0" anchor="ctr"/>
+          <a:lstStyle/>
+          <a:p>
+            <a:pPr algn="ctr"/>
+            <a:endParaRPr kumimoji="1" lang="zh-CN" altLang="en-US">
+              <a:solidFill>
+                <a:schemeClr val="tx1"/>
+              </a:solidFill>
+            </a:endParaRPr>
+          </a:p>
+        </p:txBody>
+      </p:sp>
+      <p:sp>
+        <p:nvSpPr>
+          <p:cNvPr id="26" name="等腰三角形 25"/>
+          <p:cNvSpPr/>
+          <p:nvPr/>
+        </p:nvSpPr>
+        <p:spPr>
+          <a:xfrm>
+            <a:off x="2624831" y="4906392"/>
+            <a:ext cx="159798" cy="150921"/>
+          </a:xfrm>
+          <a:prstGeom prst="triangle">
+            <a:avLst/>
+          </a:prstGeom>
+          <a:ln>
+            <a:noFill/>
+          </a:ln>
+        </p:spPr>
+        <p:style>
+          <a:lnRef idx="2">
+            <a:schemeClr val="accent1">
+              <a:shade val="50000"/>
+            </a:schemeClr>
+          </a:lnRef>
+          <a:fillRef idx="1">
+            <a:schemeClr val="accent1"/>
+          </a:fillRef>
+          <a:effectRef idx="0">
+            <a:schemeClr val="accent1"/>
+          </a:effectRef>
+          <a:fontRef idx="minor">
+            <a:schemeClr val="lt1"/>
+          </a:fontRef>
+        </p:style>
+        <p:txBody>
+          <a:bodyPr rtlCol="0" anchor="ctr"/>
+          <a:lstStyle/>
+          <a:p>
+            <a:pPr algn="ctr"/>
+            <a:endParaRPr kumimoji="1" lang="zh-CN" altLang="en-US">
+              <a:solidFill>
+                <a:schemeClr val="tx1"/>
+              </a:solidFill>
+            </a:endParaRPr>
+          </a:p>
+        </p:txBody>
+      </p:sp>
+      <p:sp>
+        <p:nvSpPr>
+          <p:cNvPr id="27" name="单圆角矩形 26"/>
+          <p:cNvSpPr/>
+          <p:nvPr/>
+        </p:nvSpPr>
+        <p:spPr>
+          <a:xfrm>
+            <a:off x="3258104" y="4576023"/>
+            <a:ext cx="177553" cy="173530"/>
+          </a:xfrm>
+          <a:prstGeom prst="round1Rect">
+            <a:avLst/>
+          </a:prstGeom>
+          <a:solidFill>
+            <a:srgbClr val="00B0F0"/>
+          </a:solidFill>
+          <a:ln>
+            <a:noFill/>
+          </a:ln>
+        </p:spPr>
+        <p:style>
+          <a:lnRef idx="2">
+            <a:schemeClr val="accent1">
+              <a:shade val="50000"/>
+            </a:schemeClr>
+          </a:lnRef>
+          <a:fillRef idx="1">
+            <a:schemeClr val="accent1"/>
+          </a:fillRef>
+          <a:effectRef idx="0">
+            <a:schemeClr val="accent1"/>
+          </a:effectRef>
+          <a:fontRef idx="minor">
+            <a:schemeClr val="lt1"/>
+          </a:fontRef>
+        </p:style>
+        <p:txBody>
+          <a:bodyPr rtlCol="0" anchor="ctr"/>
+          <a:lstStyle/>
+          <a:p>
+            <a:pPr algn="ctr"/>
+            <a:endParaRPr kumimoji="1" lang="zh-CN" altLang="en-US">
+              <a:solidFill>
+                <a:schemeClr val="tx1"/>
+              </a:solidFill>
+            </a:endParaRPr>
+          </a:p>
+        </p:txBody>
+      </p:sp>
+      <p:sp>
+        <p:nvSpPr>
+          <p:cNvPr id="31" name="单圆角矩形 30"/>
+          <p:cNvSpPr/>
+          <p:nvPr/>
+        </p:nvSpPr>
+        <p:spPr>
+          <a:xfrm>
+            <a:off x="2906426" y="4123261"/>
+            <a:ext cx="177553" cy="173530"/>
+          </a:xfrm>
+          <a:prstGeom prst="round1Rect">
+            <a:avLst/>
+          </a:prstGeom>
+          <a:solidFill>
+            <a:srgbClr val="00B0F0"/>
+          </a:solidFill>
+          <a:ln>
+            <a:noFill/>
+          </a:ln>
+        </p:spPr>
+        <p:style>
+          <a:lnRef idx="2">
+            <a:schemeClr val="accent1">
+              <a:shade val="50000"/>
+            </a:schemeClr>
+          </a:lnRef>
+          <a:fillRef idx="1">
+            <a:schemeClr val="accent1"/>
+          </a:fillRef>
+          <a:effectRef idx="0">
+            <a:schemeClr val="accent1"/>
+          </a:effectRef>
+          <a:fontRef idx="minor">
+            <a:schemeClr val="lt1"/>
+          </a:fontRef>
+        </p:style>
+        <p:txBody>
+          <a:bodyPr rtlCol="0" anchor="ctr"/>
+          <a:lstStyle/>
+          <a:p>
+            <a:pPr algn="ctr"/>
+            <a:endParaRPr kumimoji="1" lang="zh-CN" altLang="en-US">
+              <a:solidFill>
+                <a:schemeClr val="tx1"/>
+              </a:solidFill>
+            </a:endParaRPr>
+          </a:p>
+        </p:txBody>
+      </p:sp>
+      <p:sp>
+        <p:nvSpPr>
+          <p:cNvPr id="32" name="单圆角矩形 31"/>
+          <p:cNvSpPr/>
+          <p:nvPr/>
+        </p:nvSpPr>
+        <p:spPr>
+          <a:xfrm>
+            <a:off x="2342224" y="4572116"/>
+            <a:ext cx="177553" cy="173530"/>
+          </a:xfrm>
+          <a:prstGeom prst="round1Rect">
+            <a:avLst/>
+          </a:prstGeom>
+          <a:solidFill>
+            <a:srgbClr val="00B0F0"/>
+          </a:solidFill>
+          <a:ln>
+            <a:noFill/>
+          </a:ln>
+        </p:spPr>
+        <p:style>
+          <a:lnRef idx="2">
+            <a:schemeClr val="accent1">
+              <a:shade val="50000"/>
+            </a:schemeClr>
+          </a:lnRef>
+          <a:fillRef idx="1">
+            <a:schemeClr val="accent1"/>
+          </a:fillRef>
+          <a:effectRef idx="0">
+            <a:schemeClr val="accent1"/>
+          </a:effectRef>
+          <a:fontRef idx="minor">
+            <a:schemeClr val="lt1"/>
+          </a:fontRef>
+        </p:style>
+        <p:txBody>
+          <a:bodyPr rtlCol="0" anchor="ctr"/>
+          <a:lstStyle/>
+          <a:p>
+            <a:pPr algn="ctr"/>
+            <a:endParaRPr kumimoji="1" lang="zh-CN" altLang="en-US">
+              <a:solidFill>
+                <a:schemeClr val="tx1"/>
+              </a:solidFill>
+            </a:endParaRPr>
+          </a:p>
+        </p:txBody>
+      </p:sp>
+      <p:sp>
+        <p:nvSpPr>
+          <p:cNvPr id="33" name="单圆角矩形 32"/>
+          <p:cNvSpPr/>
+          <p:nvPr/>
+        </p:nvSpPr>
+        <p:spPr>
+          <a:xfrm>
+            <a:off x="2862039" y="5230426"/>
+            <a:ext cx="177553" cy="173530"/>
+          </a:xfrm>
+          <a:prstGeom prst="round1Rect">
+            <a:avLst/>
+          </a:prstGeom>
+          <a:solidFill>
+            <a:srgbClr val="00B0F0"/>
+          </a:solidFill>
+          <a:ln>
+            <a:noFill/>
+          </a:ln>
+        </p:spPr>
+        <p:style>
+          <a:lnRef idx="2">
+            <a:schemeClr val="accent1">
+              <a:shade val="50000"/>
+            </a:schemeClr>
+          </a:lnRef>
+          <a:fillRef idx="1">
+            <a:schemeClr val="accent1"/>
+          </a:fillRef>
+          <a:effectRef idx="0">
+            <a:schemeClr val="accent1"/>
+          </a:effectRef>
+          <a:fontRef idx="minor">
+            <a:schemeClr val="lt1"/>
+          </a:fontRef>
+        </p:style>
+        <p:txBody>
+          <a:bodyPr rtlCol="0" anchor="ctr"/>
+          <a:lstStyle/>
+          <a:p>
+            <a:pPr algn="ctr"/>
+            <a:endParaRPr kumimoji="1" lang="zh-CN" altLang="en-US">
+              <a:solidFill>
+                <a:schemeClr val="tx1"/>
+              </a:solidFill>
+            </a:endParaRPr>
+          </a:p>
+        </p:txBody>
+      </p:sp>
+      <p:sp>
+        <p:nvSpPr>
+          <p:cNvPr id="34" name="等腰三角形 33"/>
+          <p:cNvSpPr/>
+          <p:nvPr/>
+        </p:nvSpPr>
+        <p:spPr>
+          <a:xfrm>
+            <a:off x="4705788" y="3515557"/>
+            <a:ext cx="159798" cy="150921"/>
+          </a:xfrm>
+          <a:prstGeom prst="triangle">
+            <a:avLst/>
+          </a:prstGeom>
+          <a:ln>
+            <a:noFill/>
+          </a:ln>
+        </p:spPr>
+        <p:style>
+          <a:lnRef idx="2">
+            <a:schemeClr val="accent1">
+              <a:shade val="50000"/>
+            </a:schemeClr>
+          </a:lnRef>
+          <a:fillRef idx="1">
+            <a:schemeClr val="accent1"/>
+          </a:fillRef>
+          <a:effectRef idx="0">
+            <a:schemeClr val="accent1"/>
+          </a:effectRef>
+          <a:fontRef idx="minor">
+            <a:schemeClr val="lt1"/>
+          </a:fontRef>
+        </p:style>
+        <p:txBody>
+          <a:bodyPr rtlCol="0" anchor="ctr"/>
+          <a:lstStyle/>
+          <a:p>
+            <a:pPr algn="ctr"/>
+            <a:endParaRPr kumimoji="1" lang="zh-CN" altLang="en-US">
+              <a:solidFill>
+                <a:schemeClr val="tx1"/>
+              </a:solidFill>
+            </a:endParaRPr>
+          </a:p>
+        </p:txBody>
+      </p:sp>
+      <p:sp>
+        <p:nvSpPr>
+          <p:cNvPr id="35" name="单圆角矩形 34"/>
+          <p:cNvSpPr/>
+          <p:nvPr/>
+        </p:nvSpPr>
+        <p:spPr>
+          <a:xfrm>
+            <a:off x="6387952" y="3492948"/>
+            <a:ext cx="177553" cy="173530"/>
+          </a:xfrm>
+          <a:prstGeom prst="round1Rect">
+            <a:avLst/>
+          </a:prstGeom>
+          <a:solidFill>
+            <a:srgbClr val="00B0F0"/>
+          </a:solidFill>
+          <a:ln>
+            <a:noFill/>
+          </a:ln>
+        </p:spPr>
+        <p:style>
+          <a:lnRef idx="2">
+            <a:schemeClr val="accent1">
+              <a:shade val="50000"/>
+            </a:schemeClr>
+          </a:lnRef>
+          <a:fillRef idx="1">
+            <a:schemeClr val="accent1"/>
+          </a:fillRef>
+          <a:effectRef idx="0">
+            <a:schemeClr val="accent1"/>
+          </a:effectRef>
+          <a:fontRef idx="minor">
+            <a:schemeClr val="lt1"/>
+          </a:fontRef>
+        </p:style>
+        <p:txBody>
+          <a:bodyPr rtlCol="0" anchor="ctr"/>
+          <a:lstStyle/>
+          <a:p>
+            <a:pPr algn="ctr"/>
+            <a:endParaRPr kumimoji="1" lang="zh-CN" altLang="en-US">
+              <a:solidFill>
+                <a:schemeClr val="tx1"/>
+              </a:solidFill>
+            </a:endParaRPr>
+          </a:p>
+        </p:txBody>
+      </p:sp>
+      <p:sp>
+        <p:nvSpPr>
+          <p:cNvPr id="36" name="文本框 35"/>
+          <p:cNvSpPr txBox="1"/>
+          <p:nvPr/>
+        </p:nvSpPr>
+        <p:spPr>
+          <a:xfrm>
+            <a:off x="4010720" y="3388843"/>
+            <a:ext cx="958790" cy="369332"/>
+          </a:xfrm>
+          <a:prstGeom prst="rect">
+            <a:avLst/>
+          </a:prstGeom>
+          <a:noFill/>
+        </p:spPr>
+        <p:txBody>
+          <a:bodyPr wrap="square" rtlCol="0">
+            <a:spAutoFit/>
+          </a:bodyPr>
+          <a:lstStyle/>
+          <a:p>
+            <a:r>
+              <a:rPr lang="zh-CN" altLang="en-US" dirty="0" smtClean="0"/>
+              <a:t>正例：</a:t>
+            </a:r>
+            <a:endParaRPr lang="zh-CN" altLang="en-US" dirty="0"/>
+          </a:p>
+        </p:txBody>
+      </p:sp>
+      <p:sp>
+        <p:nvSpPr>
+          <p:cNvPr id="37" name="文本框 36"/>
+          <p:cNvSpPr txBox="1"/>
+          <p:nvPr/>
+        </p:nvSpPr>
+        <p:spPr>
+          <a:xfrm>
+            <a:off x="5656992" y="3395047"/>
+            <a:ext cx="958790" cy="369332"/>
+          </a:xfrm>
+          <a:prstGeom prst="rect">
+            <a:avLst/>
+          </a:prstGeom>
+          <a:noFill/>
+        </p:spPr>
+        <p:txBody>
+          <a:bodyPr wrap="square" rtlCol="0">
+            <a:spAutoFit/>
+          </a:bodyPr>
+          <a:lstStyle/>
+          <a:p>
+            <a:r>
+              <a:rPr lang="zh-CN" altLang="en-US" dirty="0"/>
+              <a:t>负</a:t>
+            </a:r>
+            <a:r>
+              <a:rPr lang="zh-CN" altLang="en-US" dirty="0" smtClean="0"/>
+              <a:t>例：</a:t>
+            </a:r>
+            <a:endParaRPr lang="zh-CN" altLang="en-US" dirty="0"/>
+          </a:p>
+        </p:txBody>
+      </p:sp>
+      <p:sp>
+        <p:nvSpPr>
+          <p:cNvPr id="38" name="等腰三角形 37"/>
+          <p:cNvSpPr/>
+          <p:nvPr/>
+        </p:nvSpPr>
+        <p:spPr>
+          <a:xfrm>
+            <a:off x="8080160" y="4402260"/>
+            <a:ext cx="159798" cy="150921"/>
+          </a:xfrm>
+          <a:prstGeom prst="triangle">
+            <a:avLst/>
+          </a:prstGeom>
+          <a:ln>
+            <a:noFill/>
+          </a:ln>
+        </p:spPr>
+        <p:style>
+          <a:lnRef idx="2">
+            <a:schemeClr val="accent1">
+              <a:shade val="50000"/>
+            </a:schemeClr>
+          </a:lnRef>
+          <a:fillRef idx="1">
+            <a:schemeClr val="accent1"/>
+          </a:fillRef>
+          <a:effectRef idx="0">
+            <a:schemeClr val="accent1"/>
+          </a:effectRef>
+          <a:fontRef idx="minor">
+            <a:schemeClr val="lt1"/>
+          </a:fontRef>
+        </p:style>
+        <p:txBody>
+          <a:bodyPr rtlCol="0" anchor="ctr"/>
+          <a:lstStyle/>
+          <a:p>
+            <a:pPr algn="ctr"/>
+            <a:endParaRPr kumimoji="1" lang="zh-CN" altLang="en-US">
+              <a:solidFill>
+                <a:schemeClr val="tx1"/>
+              </a:solidFill>
+            </a:endParaRPr>
+          </a:p>
+        </p:txBody>
+      </p:sp>
+      <p:sp>
+        <p:nvSpPr>
+          <p:cNvPr id="39" name="等腰三角形 38"/>
+          <p:cNvSpPr/>
+          <p:nvPr/>
+        </p:nvSpPr>
+        <p:spPr>
+          <a:xfrm>
+            <a:off x="8609861" y="4326799"/>
+            <a:ext cx="159798" cy="150921"/>
+          </a:xfrm>
+          <a:prstGeom prst="triangle">
+            <a:avLst/>
+          </a:prstGeom>
+          <a:ln>
+            <a:noFill/>
+          </a:ln>
+        </p:spPr>
+        <p:style>
+          <a:lnRef idx="2">
+            <a:schemeClr val="accent1">
+              <a:shade val="50000"/>
+            </a:schemeClr>
+          </a:lnRef>
+          <a:fillRef idx="1">
+            <a:schemeClr val="accent1"/>
+          </a:fillRef>
+          <a:effectRef idx="0">
+            <a:schemeClr val="accent1"/>
+          </a:effectRef>
+          <a:fontRef idx="minor">
+            <a:schemeClr val="lt1"/>
+          </a:fontRef>
+        </p:style>
+        <p:txBody>
+          <a:bodyPr rtlCol="0" anchor="ctr"/>
+          <a:lstStyle/>
+          <a:p>
+            <a:pPr algn="ctr"/>
+            <a:endParaRPr kumimoji="1" lang="zh-CN" altLang="en-US">
+              <a:solidFill>
+                <a:schemeClr val="tx1"/>
+              </a:solidFill>
+            </a:endParaRPr>
+          </a:p>
+        </p:txBody>
+      </p:sp>
+      <p:sp>
+        <p:nvSpPr>
+          <p:cNvPr id="40" name="等腰三角形 39"/>
+          <p:cNvSpPr/>
+          <p:nvPr/>
+        </p:nvSpPr>
+        <p:spPr>
+          <a:xfrm>
+            <a:off x="7964751" y="4936399"/>
+            <a:ext cx="159798" cy="150921"/>
+          </a:xfrm>
+          <a:prstGeom prst="triangle">
+            <a:avLst/>
+          </a:prstGeom>
+          <a:ln>
+            <a:noFill/>
+          </a:ln>
+        </p:spPr>
+        <p:style>
+          <a:lnRef idx="2">
+            <a:schemeClr val="accent1">
+              <a:shade val="50000"/>
+            </a:schemeClr>
+          </a:lnRef>
+          <a:fillRef idx="1">
+            <a:schemeClr val="accent1"/>
+          </a:fillRef>
+          <a:effectRef idx="0">
+            <a:schemeClr val="accent1"/>
+          </a:effectRef>
+          <a:fontRef idx="minor">
+            <a:schemeClr val="lt1"/>
+          </a:fontRef>
+        </p:style>
+        <p:txBody>
+          <a:bodyPr rtlCol="0" anchor="ctr"/>
+          <a:lstStyle/>
+          <a:p>
+            <a:pPr algn="ctr"/>
+            <a:endParaRPr kumimoji="1" lang="zh-CN" altLang="en-US">
+              <a:solidFill>
+                <a:schemeClr val="tx1"/>
+              </a:solidFill>
+            </a:endParaRPr>
+          </a:p>
+        </p:txBody>
+      </p:sp>
+      <p:sp>
+        <p:nvSpPr>
+          <p:cNvPr id="42" name="等腰三角形 41"/>
+          <p:cNvSpPr/>
+          <p:nvPr/>
+        </p:nvSpPr>
+        <p:spPr>
+          <a:xfrm>
+            <a:off x="8689760" y="5011860"/>
+            <a:ext cx="159798" cy="150921"/>
+          </a:xfrm>
+          <a:prstGeom prst="triangle">
+            <a:avLst/>
+          </a:prstGeom>
+          <a:ln>
+            <a:noFill/>
+          </a:ln>
+        </p:spPr>
+        <p:style>
+          <a:lnRef idx="2">
+            <a:schemeClr val="accent1">
+              <a:shade val="50000"/>
+            </a:schemeClr>
+          </a:lnRef>
+          <a:fillRef idx="1">
+            <a:schemeClr val="accent1"/>
+          </a:fillRef>
+          <a:effectRef idx="0">
+            <a:schemeClr val="accent1"/>
+          </a:effectRef>
+          <a:fontRef idx="minor">
+            <a:schemeClr val="lt1"/>
+          </a:fontRef>
+        </p:style>
+        <p:txBody>
+          <a:bodyPr rtlCol="0" anchor="ctr"/>
+          <a:lstStyle/>
+          <a:p>
+            <a:pPr algn="ctr"/>
+            <a:endParaRPr kumimoji="1" lang="zh-CN" altLang="en-US">
+              <a:solidFill>
+                <a:schemeClr val="tx1"/>
+              </a:solidFill>
+            </a:endParaRPr>
+          </a:p>
+        </p:txBody>
+      </p:sp>
+      <p:sp>
+        <p:nvSpPr>
+          <p:cNvPr id="43" name="单圆角矩形 42"/>
+          <p:cNvSpPr/>
+          <p:nvPr/>
+        </p:nvSpPr>
+        <p:spPr>
+          <a:xfrm>
+            <a:off x="9323033" y="4681491"/>
+            <a:ext cx="177553" cy="173530"/>
+          </a:xfrm>
+          <a:prstGeom prst="round1Rect">
+            <a:avLst/>
+          </a:prstGeom>
+          <a:solidFill>
+            <a:srgbClr val="00B0F0"/>
+          </a:solidFill>
+          <a:ln>
+            <a:noFill/>
+          </a:ln>
+        </p:spPr>
+        <p:style>
+          <a:lnRef idx="2">
+            <a:schemeClr val="accent1">
+              <a:shade val="50000"/>
+            </a:schemeClr>
+          </a:lnRef>
+          <a:fillRef idx="1">
+            <a:schemeClr val="accent1"/>
+          </a:fillRef>
+          <a:effectRef idx="0">
+            <a:schemeClr val="accent1"/>
+          </a:effectRef>
+          <a:fontRef idx="minor">
+            <a:schemeClr val="lt1"/>
+          </a:fontRef>
+        </p:style>
+        <p:txBody>
+          <a:bodyPr rtlCol="0" anchor="ctr"/>
+          <a:lstStyle/>
+          <a:p>
+            <a:pPr algn="ctr"/>
+            <a:endParaRPr kumimoji="1" lang="zh-CN" altLang="en-US">
+              <a:solidFill>
+                <a:schemeClr val="tx1"/>
+              </a:solidFill>
+            </a:endParaRPr>
+          </a:p>
+        </p:txBody>
+      </p:sp>
+      <p:sp>
+        <p:nvSpPr>
+          <p:cNvPr id="44" name="单圆角矩形 43"/>
+          <p:cNvSpPr/>
+          <p:nvPr/>
+        </p:nvSpPr>
+        <p:spPr>
+          <a:xfrm>
+            <a:off x="8971355" y="4228729"/>
+            <a:ext cx="177553" cy="173530"/>
+          </a:xfrm>
+          <a:prstGeom prst="round1Rect">
+            <a:avLst/>
+          </a:prstGeom>
+          <a:solidFill>
+            <a:srgbClr val="00B0F0"/>
+          </a:solidFill>
+          <a:ln>
+            <a:noFill/>
+          </a:ln>
+        </p:spPr>
+        <p:style>
+          <a:lnRef idx="2">
+            <a:schemeClr val="accent1">
+              <a:shade val="50000"/>
+            </a:schemeClr>
+          </a:lnRef>
+          <a:fillRef idx="1">
+            <a:schemeClr val="accent1"/>
+          </a:fillRef>
+          <a:effectRef idx="0">
+            <a:schemeClr val="accent1"/>
+          </a:effectRef>
+          <a:fontRef idx="minor">
+            <a:schemeClr val="lt1"/>
+          </a:fontRef>
+        </p:style>
+        <p:txBody>
+          <a:bodyPr rtlCol="0" anchor="ctr"/>
+          <a:lstStyle/>
+          <a:p>
+            <a:pPr algn="ctr"/>
+            <a:endParaRPr kumimoji="1" lang="zh-CN" altLang="en-US">
+              <a:solidFill>
+                <a:schemeClr val="tx1"/>
+              </a:solidFill>
+            </a:endParaRPr>
+          </a:p>
+        </p:txBody>
+      </p:sp>
+      <p:sp>
+        <p:nvSpPr>
+          <p:cNvPr id="45" name="单圆角矩形 44"/>
+          <p:cNvSpPr/>
+          <p:nvPr/>
+        </p:nvSpPr>
+        <p:spPr>
+          <a:xfrm>
+            <a:off x="8407153" y="4677584"/>
+            <a:ext cx="177553" cy="173530"/>
+          </a:xfrm>
+          <a:prstGeom prst="round1Rect">
+            <a:avLst/>
+          </a:prstGeom>
+          <a:solidFill>
+            <a:srgbClr val="00B0F0"/>
+          </a:solidFill>
+          <a:ln>
+            <a:noFill/>
+          </a:ln>
+        </p:spPr>
+        <p:style>
+          <a:lnRef idx="2">
+            <a:schemeClr val="accent1">
+              <a:shade val="50000"/>
+            </a:schemeClr>
+          </a:lnRef>
+          <a:fillRef idx="1">
+            <a:schemeClr val="accent1"/>
+          </a:fillRef>
+          <a:effectRef idx="0">
+            <a:schemeClr val="accent1"/>
+          </a:effectRef>
+          <a:fontRef idx="minor">
+            <a:schemeClr val="lt1"/>
+          </a:fontRef>
+        </p:style>
+        <p:txBody>
+          <a:bodyPr rtlCol="0" anchor="ctr"/>
+          <a:lstStyle/>
+          <a:p>
+            <a:pPr algn="ctr"/>
+            <a:endParaRPr kumimoji="1" lang="zh-CN" altLang="en-US">
+              <a:solidFill>
+                <a:schemeClr val="tx1"/>
+              </a:solidFill>
+            </a:endParaRPr>
+          </a:p>
+        </p:txBody>
+      </p:sp>
+      <p:sp>
+        <p:nvSpPr>
+          <p:cNvPr id="46" name="单圆角矩形 45"/>
+          <p:cNvSpPr/>
+          <p:nvPr/>
+        </p:nvSpPr>
+        <p:spPr>
+          <a:xfrm>
+            <a:off x="8926968" y="5335894"/>
+            <a:ext cx="177553" cy="173530"/>
+          </a:xfrm>
+          <a:prstGeom prst="round1Rect">
+            <a:avLst/>
+          </a:prstGeom>
+          <a:solidFill>
+            <a:srgbClr val="00B0F0"/>
+          </a:solidFill>
+          <a:ln>
+            <a:noFill/>
+          </a:ln>
+        </p:spPr>
+        <p:style>
+          <a:lnRef idx="2">
+            <a:schemeClr val="accent1">
+              <a:shade val="50000"/>
+            </a:schemeClr>
+          </a:lnRef>
+          <a:fillRef idx="1">
+            <a:schemeClr val="accent1"/>
+          </a:fillRef>
+          <a:effectRef idx="0">
+            <a:schemeClr val="accent1"/>
+          </a:effectRef>
+          <a:fontRef idx="minor">
+            <a:schemeClr val="lt1"/>
+          </a:fontRef>
+        </p:style>
+        <p:txBody>
+          <a:bodyPr rtlCol="0" anchor="ctr"/>
+          <a:lstStyle/>
+          <a:p>
+            <a:pPr algn="ctr"/>
+            <a:endParaRPr kumimoji="1" lang="zh-CN" altLang="en-US">
+              <a:solidFill>
+                <a:schemeClr val="tx1"/>
+              </a:solidFill>
+            </a:endParaRPr>
+          </a:p>
+        </p:txBody>
+      </p:sp>
+      <p:sp>
+        <p:nvSpPr>
+          <p:cNvPr id="47" name="单圆角矩形 46"/>
+          <p:cNvSpPr/>
+          <p:nvPr/>
+        </p:nvSpPr>
+        <p:spPr>
+          <a:xfrm>
+            <a:off x="9475433" y="5011860"/>
+            <a:ext cx="177553" cy="173530"/>
+          </a:xfrm>
+          <a:prstGeom prst="round1Rect">
+            <a:avLst/>
+          </a:prstGeom>
+          <a:solidFill>
+            <a:srgbClr val="00B0F0"/>
+          </a:solidFill>
+          <a:ln>
+            <a:noFill/>
+          </a:ln>
+        </p:spPr>
+        <p:style>
+          <a:lnRef idx="2">
+            <a:schemeClr val="accent1">
+              <a:shade val="50000"/>
+            </a:schemeClr>
+          </a:lnRef>
+          <a:fillRef idx="1">
+            <a:schemeClr val="accent1"/>
+          </a:fillRef>
+          <a:effectRef idx="0">
+            <a:schemeClr val="accent1"/>
+          </a:effectRef>
+          <a:fontRef idx="minor">
+            <a:schemeClr val="lt1"/>
+          </a:fontRef>
+        </p:style>
+        <p:txBody>
+          <a:bodyPr rtlCol="0" anchor="ctr"/>
+          <a:lstStyle/>
+          <a:p>
+            <a:pPr algn="ctr"/>
+            <a:endParaRPr kumimoji="1" lang="zh-CN" altLang="en-US">
+              <a:solidFill>
+                <a:schemeClr val="tx1"/>
+              </a:solidFill>
+            </a:endParaRPr>
+          </a:p>
+        </p:txBody>
+      </p:sp>
+      <p:sp>
+        <p:nvSpPr>
+          <p:cNvPr id="48" name="单圆角矩形 47"/>
+          <p:cNvSpPr/>
+          <p:nvPr/>
+        </p:nvSpPr>
+        <p:spPr>
+          <a:xfrm>
+            <a:off x="3342172" y="4989251"/>
+            <a:ext cx="177553" cy="173530"/>
+          </a:xfrm>
+          <a:prstGeom prst="round1Rect">
+            <a:avLst/>
+          </a:prstGeom>
+          <a:solidFill>
+            <a:srgbClr val="00B0F0"/>
+          </a:solidFill>
+          <a:ln>
+            <a:noFill/>
+          </a:ln>
+        </p:spPr>
+        <p:style>
+          <a:lnRef idx="2">
+            <a:schemeClr val="accent1">
+              <a:shade val="50000"/>
+            </a:schemeClr>
+          </a:lnRef>
+          <a:fillRef idx="1">
+            <a:schemeClr val="accent1"/>
+          </a:fillRef>
+          <a:effectRef idx="0">
+            <a:schemeClr val="accent1"/>
+          </a:effectRef>
+          <a:fontRef idx="minor">
+            <a:schemeClr val="lt1"/>
+          </a:fontRef>
+        </p:style>
+        <p:txBody>
+          <a:bodyPr rtlCol="0" anchor="ctr"/>
+          <a:lstStyle/>
+          <a:p>
+            <a:pPr algn="ctr"/>
+            <a:endParaRPr kumimoji="1" lang="zh-CN" altLang="en-US">
+              <a:solidFill>
+                <a:schemeClr val="tx1"/>
+              </a:solidFill>
+            </a:endParaRPr>
+          </a:p>
+        </p:txBody>
+      </p:sp>
+      <p:sp>
+        <p:nvSpPr>
+          <p:cNvPr id="49" name="等腰三角形 48"/>
+          <p:cNvSpPr/>
+          <p:nvPr/>
+        </p:nvSpPr>
+        <p:spPr>
+          <a:xfrm>
+            <a:off x="2421115" y="5479647"/>
+            <a:ext cx="159798" cy="150921"/>
+          </a:xfrm>
+          <a:prstGeom prst="triangle">
+            <a:avLst/>
+          </a:prstGeom>
+          <a:ln>
+            <a:noFill/>
+          </a:ln>
+        </p:spPr>
+        <p:style>
+          <a:lnRef idx="2">
+            <a:schemeClr val="accent1">
+              <a:shade val="50000"/>
+            </a:schemeClr>
+          </a:lnRef>
+          <a:fillRef idx="1">
+            <a:schemeClr val="accent1"/>
+          </a:fillRef>
+          <a:effectRef idx="0">
+            <a:schemeClr val="accent1"/>
+          </a:effectRef>
+          <a:fontRef idx="minor">
+            <a:schemeClr val="lt1"/>
+          </a:fontRef>
+        </p:style>
+        <p:txBody>
+          <a:bodyPr rtlCol="0" anchor="ctr"/>
+          <a:lstStyle/>
+          <a:p>
+            <a:pPr algn="ctr"/>
+            <a:endParaRPr kumimoji="1" lang="zh-CN" altLang="en-US">
+              <a:solidFill>
+                <a:schemeClr val="tx1"/>
+              </a:solidFill>
+            </a:endParaRPr>
+          </a:p>
+        </p:txBody>
+      </p:sp>
+      <p:sp>
+        <p:nvSpPr>
+          <p:cNvPr id="50" name="文本框 49"/>
+          <p:cNvSpPr txBox="1"/>
+          <p:nvPr/>
+        </p:nvSpPr>
+        <p:spPr>
+          <a:xfrm>
+            <a:off x="2357977" y="6155886"/>
+            <a:ext cx="286073" cy="369332"/>
+          </a:xfrm>
+          <a:prstGeom prst="rect">
+            <a:avLst/>
+          </a:prstGeom>
+          <a:noFill/>
+        </p:spPr>
+        <p:txBody>
+          <a:bodyPr wrap="square" rtlCol="0">
+            <a:spAutoFit/>
+          </a:bodyPr>
+          <a:lstStyle/>
+          <a:p>
+            <a:r>
+              <a:rPr lang="en-US" altLang="zh-CN" dirty="0" smtClean="0"/>
+              <a:t>Y</a:t>
+            </a:r>
+            <a:endParaRPr lang="zh-CN" altLang="en-US" dirty="0"/>
+          </a:p>
+        </p:txBody>
+      </p:sp>
+      <p:sp>
+        <p:nvSpPr>
+          <p:cNvPr id="51" name="文本框 50"/>
+          <p:cNvSpPr txBox="1"/>
+          <p:nvPr/>
+        </p:nvSpPr>
+        <p:spPr>
+          <a:xfrm>
+            <a:off x="8600458" y="6155886"/>
+            <a:ext cx="286073" cy="369332"/>
+          </a:xfrm>
+          <a:prstGeom prst="rect">
+            <a:avLst/>
+          </a:prstGeom>
+          <a:noFill/>
+        </p:spPr>
+        <p:txBody>
+          <a:bodyPr wrap="square" rtlCol="0">
+            <a:spAutoFit/>
+          </a:bodyPr>
+          <a:lstStyle/>
+          <a:p>
+            <a:r>
+              <a:rPr lang="en-US" altLang="zh-CN" dirty="0" smtClean="0"/>
+              <a:t>Y</a:t>
+            </a:r>
+            <a:endParaRPr lang="zh-CN" altLang="en-US" dirty="0"/>
+          </a:p>
+        </p:txBody>
+      </p:sp>
+      <p:sp>
+        <p:nvSpPr>
+          <p:cNvPr id="52" name="右箭头 51"/>
+          <p:cNvSpPr/>
+          <p:nvPr/>
+        </p:nvSpPr>
+        <p:spPr>
+          <a:xfrm>
+            <a:off x="5264457" y="4738130"/>
+            <a:ext cx="727969" cy="156735"/>
+          </a:xfrm>
+          <a:prstGeom prst="rightArrow">
+            <a:avLst/>
+          </a:prstGeom>
+          <a:ln>
+            <a:noFill/>
+          </a:ln>
+        </p:spPr>
+        <p:style>
+          <a:lnRef idx="2">
+            <a:schemeClr val="accent1">
+              <a:shade val="50000"/>
+            </a:schemeClr>
+          </a:lnRef>
+          <a:fillRef idx="1">
+            <a:schemeClr val="accent1"/>
+          </a:fillRef>
+          <a:effectRef idx="0">
+            <a:schemeClr val="accent1"/>
+          </a:effectRef>
+          <a:fontRef idx="minor">
+            <a:schemeClr val="lt1"/>
+          </a:fontRef>
+        </p:style>
+        <p:txBody>
+          <a:bodyPr rtlCol="0" anchor="ctr"/>
+          <a:lstStyle/>
+          <a:p>
+            <a:pPr algn="ctr"/>
+            <a:endParaRPr kumimoji="1" lang="zh-CN" altLang="en-US">
+              <a:solidFill>
+                <a:schemeClr val="tx1"/>
+              </a:solidFill>
+            </a:endParaRPr>
+          </a:p>
+        </p:txBody>
+      </p:sp>
     </p:spTree>
     <p:extLst>
       <p:ext uri="{BB962C8B-B14F-4D97-AF65-F5344CB8AC3E}">
-        <p14:creationId xmlns:p14="http://schemas.microsoft.com/office/powerpoint/2010/main" val="1058793319"/>
+        <p14:creationId xmlns:p14="http://schemas.microsoft.com/office/powerpoint/2010/main" val="2002858705"/>
       </p:ext>
     </p:extLst>
   </p:cSld>
   <p:clrMapOvr>
     <a:masterClrMapping/>
   </p:clrMapOvr>
+  <p:timing>
+    <p:tnLst>
+      <p:par>
+        <p:cTn id="1" dur="indefinite" restart="never" nodeType="tmRoot"/>
+      </p:par>
+    </p:tnLst>
+  </p:timing>
 </p:sld>
 </file>
 
@@ -5703,7 +7039,7 @@
           <a:p>
             <a:r>
               <a:rPr lang="zh-CN" altLang="en-US" dirty="0" smtClean="0"/>
-              <a:t>正负样例平衡方法</a:t>
+              <a:t>分类结果</a:t>
             </a:r>
             <a:endParaRPr lang="zh-CN" altLang="en-US" dirty="0"/>
           </a:p>
@@ -5726,11 +7062,7 @@
           <a:p>
             <a:r>
               <a:rPr lang="en-US" altLang="zh-CN" sz="2400" dirty="0" smtClean="0"/>
-              <a:t>4</a:t>
-            </a:r>
-            <a:r>
-              <a:rPr lang="en-US" altLang="zh-CN" sz="2400" dirty="0" smtClean="0"/>
-              <a:t>-2</a:t>
+              <a:t>4-3</a:t>
             </a:r>
             <a:endParaRPr lang="zh-CN" altLang="en-US" sz="2400" dirty="0"/>
           </a:p>
@@ -5765,1372 +7097,113 @@
           </a:p>
         </p:txBody>
       </p:sp>
+      <p:sp>
+        <p:nvSpPr>
+          <p:cNvPr id="10" name="矩形 9"/>
+          <p:cNvSpPr/>
+          <p:nvPr/>
+        </p:nvSpPr>
+        <p:spPr>
+          <a:xfrm>
+            <a:off x="739806" y="1825953"/>
+            <a:ext cx="1985639" cy="2031325"/>
+          </a:xfrm>
+          <a:prstGeom prst="rect">
+            <a:avLst/>
+          </a:prstGeom>
+        </p:spPr>
+        <p:txBody>
+          <a:bodyPr wrap="square">
+            <a:spAutoFit/>
+          </a:bodyPr>
+          <a:lstStyle/>
+          <a:p>
+            <a:r>
+              <a:rPr lang="zh-CN" altLang="en-US" dirty="0" smtClean="0"/>
+              <a:t>对于小样本</a:t>
+            </a:r>
+            <a:r>
+              <a:rPr lang="zh-CN" altLang="en-US" dirty="0"/>
+              <a:t>，在不同的</a:t>
+            </a:r>
+            <a:r>
+              <a:rPr lang="en-US" altLang="zh-CN" dirty="0"/>
+              <a:t>K</a:t>
+            </a:r>
+            <a:r>
+              <a:rPr lang="zh-CN" altLang="en-US" dirty="0"/>
+              <a:t>值时，</a:t>
+            </a:r>
+            <a:r>
+              <a:rPr lang="en-US" altLang="zh-CN" dirty="0"/>
+              <a:t>K-NN</a:t>
+            </a:r>
+            <a:r>
+              <a:rPr lang="zh-CN" altLang="en-US" dirty="0"/>
+              <a:t>分类对应的</a:t>
+            </a:r>
+            <a:r>
+              <a:rPr lang="en-US" altLang="zh-CN" dirty="0"/>
+              <a:t>Precision</a:t>
+            </a:r>
+            <a:r>
+              <a:rPr lang="zh-CN" altLang="en-US" dirty="0"/>
+              <a:t>，</a:t>
+            </a:r>
+            <a:r>
+              <a:rPr lang="en-US" altLang="zh-CN" dirty="0"/>
+              <a:t>Recall</a:t>
+            </a:r>
+            <a:r>
+              <a:rPr lang="zh-CN" altLang="en-US" dirty="0"/>
+              <a:t>，</a:t>
+            </a:r>
+            <a:r>
+              <a:rPr lang="en-US" altLang="zh-CN" dirty="0"/>
+              <a:t>Accuracy</a:t>
+            </a:r>
+            <a:r>
+              <a:rPr lang="zh-CN" altLang="en-US" dirty="0" smtClean="0"/>
+              <a:t>如右图所示</a:t>
+            </a:r>
+            <a:endParaRPr lang="zh-CN" altLang="en-US" dirty="0"/>
+          </a:p>
+        </p:txBody>
+      </p:sp>
       <p:pic>
         <p:nvPicPr>
-          <p:cNvPr id="5" name="图片 4"/>
+          <p:cNvPr id="4" name="图片 3"/>
           <p:cNvPicPr>
             <a:picLocks noChangeAspect="1"/>
           </p:cNvPicPr>
           <p:nvPr/>
         </p:nvPicPr>
         <p:blipFill>
-          <a:blip r:embed="rId2"/>
+          <a:blip r:embed="rId2">
+            <a:extLst>
+              <a:ext uri="{28A0092B-C50C-407E-A947-70E740481C1C}">
+                <a14:useLocalDpi xmlns:a14="http://schemas.microsoft.com/office/drawing/2010/main" val="0"/>
+              </a:ext>
+            </a:extLst>
+          </a:blip>
           <a:stretch>
             <a:fillRect/>
           </a:stretch>
         </p:blipFill>
         <p:spPr>
           <a:xfrm>
-            <a:off x="1524000" y="1305342"/>
-            <a:ext cx="9144000" cy="2057400"/>
+            <a:off x="3759155" y="1305342"/>
+            <a:ext cx="7547464" cy="4731798"/>
           </a:xfrm>
           <a:prstGeom prst="rect">
             <a:avLst/>
           </a:prstGeom>
         </p:spPr>
       </p:pic>
-      <p:sp>
-        <p:nvSpPr>
-          <p:cNvPr id="7" name="椭圆 6"/>
-          <p:cNvSpPr/>
-          <p:nvPr/>
-        </p:nvSpPr>
-        <p:spPr>
-          <a:xfrm>
-            <a:off x="1402672" y="3693111"/>
-            <a:ext cx="2356483" cy="2317072"/>
-          </a:xfrm>
-          <a:prstGeom prst="ellipse">
-            <a:avLst/>
-          </a:prstGeom>
-          <a:noFill/>
-          <a:ln w="28575">
-            <a:solidFill>
-              <a:schemeClr val="tx1"/>
-            </a:solidFill>
-          </a:ln>
-        </p:spPr>
-        <p:style>
-          <a:lnRef idx="2">
-            <a:schemeClr val="accent1">
-              <a:shade val="50000"/>
-            </a:schemeClr>
-          </a:lnRef>
-          <a:fillRef idx="1">
-            <a:schemeClr val="accent1"/>
-          </a:fillRef>
-          <a:effectRef idx="0">
-            <a:schemeClr val="accent1"/>
-          </a:effectRef>
-          <a:fontRef idx="minor">
-            <a:schemeClr val="lt1"/>
-          </a:fontRef>
-        </p:style>
-        <p:txBody>
-          <a:bodyPr rtlCol="0" anchor="ctr"/>
-          <a:lstStyle/>
-          <a:p>
-            <a:pPr algn="ctr"/>
-            <a:endParaRPr kumimoji="1" lang="zh-CN" altLang="en-US">
-              <a:solidFill>
-                <a:schemeClr val="tx1"/>
-              </a:solidFill>
-            </a:endParaRPr>
-          </a:p>
-        </p:txBody>
-      </p:sp>
-      <p:sp>
-        <p:nvSpPr>
-          <p:cNvPr id="8" name="椭圆 7"/>
-          <p:cNvSpPr/>
-          <p:nvPr/>
-        </p:nvSpPr>
-        <p:spPr>
-          <a:xfrm>
-            <a:off x="7565254" y="3693111"/>
-            <a:ext cx="2356483" cy="2317072"/>
-          </a:xfrm>
-          <a:prstGeom prst="ellipse">
-            <a:avLst/>
-          </a:prstGeom>
-          <a:noFill/>
-          <a:ln w="28575">
-            <a:solidFill>
-              <a:schemeClr val="tx1"/>
-            </a:solidFill>
-          </a:ln>
-        </p:spPr>
-        <p:style>
-          <a:lnRef idx="2">
-            <a:schemeClr val="accent1">
-              <a:shade val="50000"/>
-            </a:schemeClr>
-          </a:lnRef>
-          <a:fillRef idx="1">
-            <a:schemeClr val="accent1"/>
-          </a:fillRef>
-          <a:effectRef idx="0">
-            <a:schemeClr val="accent1"/>
-          </a:effectRef>
-          <a:fontRef idx="minor">
-            <a:schemeClr val="lt1"/>
-          </a:fontRef>
-        </p:style>
-        <p:txBody>
-          <a:bodyPr rtlCol="0" anchor="ctr"/>
-          <a:lstStyle/>
-          <a:p>
-            <a:pPr algn="ctr"/>
-            <a:endParaRPr kumimoji="1" lang="zh-CN" altLang="en-US">
-              <a:solidFill>
-                <a:schemeClr val="tx1"/>
-              </a:solidFill>
-            </a:endParaRPr>
-          </a:p>
-        </p:txBody>
-      </p:sp>
-      <p:sp>
-        <p:nvSpPr>
-          <p:cNvPr id="22" name="等腰三角形 21"/>
-          <p:cNvSpPr/>
-          <p:nvPr/>
-        </p:nvSpPr>
-        <p:spPr>
-          <a:xfrm>
-            <a:off x="2015231" y="4296792"/>
-            <a:ext cx="159798" cy="150921"/>
-          </a:xfrm>
-          <a:prstGeom prst="triangle">
-            <a:avLst/>
-          </a:prstGeom>
-          <a:ln>
-            <a:noFill/>
-          </a:ln>
-        </p:spPr>
-        <p:style>
-          <a:lnRef idx="2">
-            <a:schemeClr val="accent1">
-              <a:shade val="50000"/>
-            </a:schemeClr>
-          </a:lnRef>
-          <a:fillRef idx="1">
-            <a:schemeClr val="accent1"/>
-          </a:fillRef>
-          <a:effectRef idx="0">
-            <a:schemeClr val="accent1"/>
-          </a:effectRef>
-          <a:fontRef idx="minor">
-            <a:schemeClr val="lt1"/>
-          </a:fontRef>
-        </p:style>
-        <p:txBody>
-          <a:bodyPr rtlCol="0" anchor="ctr"/>
-          <a:lstStyle/>
-          <a:p>
-            <a:pPr algn="ctr"/>
-            <a:endParaRPr kumimoji="1" lang="zh-CN" altLang="en-US">
-              <a:solidFill>
-                <a:schemeClr val="tx1"/>
-              </a:solidFill>
-            </a:endParaRPr>
-          </a:p>
-        </p:txBody>
-      </p:sp>
-      <p:sp>
-        <p:nvSpPr>
-          <p:cNvPr id="23" name="等腰三角形 22"/>
-          <p:cNvSpPr/>
-          <p:nvPr/>
-        </p:nvSpPr>
-        <p:spPr>
-          <a:xfrm>
-            <a:off x="2544932" y="4221331"/>
-            <a:ext cx="159798" cy="150921"/>
-          </a:xfrm>
-          <a:prstGeom prst="triangle">
-            <a:avLst/>
-          </a:prstGeom>
-          <a:ln>
-            <a:noFill/>
-          </a:ln>
-        </p:spPr>
-        <p:style>
-          <a:lnRef idx="2">
-            <a:schemeClr val="accent1">
-              <a:shade val="50000"/>
-            </a:schemeClr>
-          </a:lnRef>
-          <a:fillRef idx="1">
-            <a:schemeClr val="accent1"/>
-          </a:fillRef>
-          <a:effectRef idx="0">
-            <a:schemeClr val="accent1"/>
-          </a:effectRef>
-          <a:fontRef idx="minor">
-            <a:schemeClr val="lt1"/>
-          </a:fontRef>
-        </p:style>
-        <p:txBody>
-          <a:bodyPr rtlCol="0" anchor="ctr"/>
-          <a:lstStyle/>
-          <a:p>
-            <a:pPr algn="ctr"/>
-            <a:endParaRPr kumimoji="1" lang="zh-CN" altLang="en-US">
-              <a:solidFill>
-                <a:schemeClr val="tx1"/>
-              </a:solidFill>
-            </a:endParaRPr>
-          </a:p>
-        </p:txBody>
-      </p:sp>
-      <p:sp>
-        <p:nvSpPr>
-          <p:cNvPr id="24" name="等腰三角形 23"/>
-          <p:cNvSpPr/>
-          <p:nvPr/>
-        </p:nvSpPr>
-        <p:spPr>
-          <a:xfrm>
-            <a:off x="1899822" y="4830931"/>
-            <a:ext cx="159798" cy="150921"/>
-          </a:xfrm>
-          <a:prstGeom prst="triangle">
-            <a:avLst/>
-          </a:prstGeom>
-          <a:ln>
-            <a:noFill/>
-          </a:ln>
-        </p:spPr>
-        <p:style>
-          <a:lnRef idx="2">
-            <a:schemeClr val="accent1">
-              <a:shade val="50000"/>
-            </a:schemeClr>
-          </a:lnRef>
-          <a:fillRef idx="1">
-            <a:schemeClr val="accent1"/>
-          </a:fillRef>
-          <a:effectRef idx="0">
-            <a:schemeClr val="accent1"/>
-          </a:effectRef>
-          <a:fontRef idx="minor">
-            <a:schemeClr val="lt1"/>
-          </a:fontRef>
-        </p:style>
-        <p:txBody>
-          <a:bodyPr rtlCol="0" anchor="ctr"/>
-          <a:lstStyle/>
-          <a:p>
-            <a:pPr algn="ctr"/>
-            <a:endParaRPr kumimoji="1" lang="zh-CN" altLang="en-US">
-              <a:solidFill>
-                <a:schemeClr val="tx1"/>
-              </a:solidFill>
-            </a:endParaRPr>
-          </a:p>
-        </p:txBody>
-      </p:sp>
-      <p:sp>
-        <p:nvSpPr>
-          <p:cNvPr id="25" name="等腰三角形 24"/>
-          <p:cNvSpPr/>
-          <p:nvPr/>
-        </p:nvSpPr>
-        <p:spPr>
-          <a:xfrm>
-            <a:off x="2160233" y="5154966"/>
-            <a:ext cx="159798" cy="150921"/>
-          </a:xfrm>
-          <a:prstGeom prst="triangle">
-            <a:avLst/>
-          </a:prstGeom>
-          <a:ln>
-            <a:noFill/>
-          </a:ln>
-        </p:spPr>
-        <p:style>
-          <a:lnRef idx="2">
-            <a:schemeClr val="accent1">
-              <a:shade val="50000"/>
-            </a:schemeClr>
-          </a:lnRef>
-          <a:fillRef idx="1">
-            <a:schemeClr val="accent1"/>
-          </a:fillRef>
-          <a:effectRef idx="0">
-            <a:schemeClr val="accent1"/>
-          </a:effectRef>
-          <a:fontRef idx="minor">
-            <a:schemeClr val="lt1"/>
-          </a:fontRef>
-        </p:style>
-        <p:txBody>
-          <a:bodyPr rtlCol="0" anchor="ctr"/>
-          <a:lstStyle/>
-          <a:p>
-            <a:pPr algn="ctr"/>
-            <a:endParaRPr kumimoji="1" lang="zh-CN" altLang="en-US">
-              <a:solidFill>
-                <a:schemeClr val="tx1"/>
-              </a:solidFill>
-            </a:endParaRPr>
-          </a:p>
-        </p:txBody>
-      </p:sp>
-      <p:sp>
-        <p:nvSpPr>
-          <p:cNvPr id="26" name="等腰三角形 25"/>
-          <p:cNvSpPr/>
-          <p:nvPr/>
-        </p:nvSpPr>
-        <p:spPr>
-          <a:xfrm>
-            <a:off x="2624831" y="4906392"/>
-            <a:ext cx="159798" cy="150921"/>
-          </a:xfrm>
-          <a:prstGeom prst="triangle">
-            <a:avLst/>
-          </a:prstGeom>
-          <a:ln>
-            <a:noFill/>
-          </a:ln>
-        </p:spPr>
-        <p:style>
-          <a:lnRef idx="2">
-            <a:schemeClr val="accent1">
-              <a:shade val="50000"/>
-            </a:schemeClr>
-          </a:lnRef>
-          <a:fillRef idx="1">
-            <a:schemeClr val="accent1"/>
-          </a:fillRef>
-          <a:effectRef idx="0">
-            <a:schemeClr val="accent1"/>
-          </a:effectRef>
-          <a:fontRef idx="minor">
-            <a:schemeClr val="lt1"/>
-          </a:fontRef>
-        </p:style>
-        <p:txBody>
-          <a:bodyPr rtlCol="0" anchor="ctr"/>
-          <a:lstStyle/>
-          <a:p>
-            <a:pPr algn="ctr"/>
-            <a:endParaRPr kumimoji="1" lang="zh-CN" altLang="en-US">
-              <a:solidFill>
-                <a:schemeClr val="tx1"/>
-              </a:solidFill>
-            </a:endParaRPr>
-          </a:p>
-        </p:txBody>
-      </p:sp>
-      <p:sp>
-        <p:nvSpPr>
-          <p:cNvPr id="27" name="单圆角矩形 26"/>
-          <p:cNvSpPr/>
-          <p:nvPr/>
-        </p:nvSpPr>
-        <p:spPr>
-          <a:xfrm>
-            <a:off x="3258104" y="4576023"/>
-            <a:ext cx="177553" cy="173530"/>
-          </a:xfrm>
-          <a:prstGeom prst="round1Rect">
-            <a:avLst/>
-          </a:prstGeom>
-          <a:solidFill>
-            <a:srgbClr val="00B0F0"/>
-          </a:solidFill>
-          <a:ln>
-            <a:noFill/>
-          </a:ln>
-        </p:spPr>
-        <p:style>
-          <a:lnRef idx="2">
-            <a:schemeClr val="accent1">
-              <a:shade val="50000"/>
-            </a:schemeClr>
-          </a:lnRef>
-          <a:fillRef idx="1">
-            <a:schemeClr val="accent1"/>
-          </a:fillRef>
-          <a:effectRef idx="0">
-            <a:schemeClr val="accent1"/>
-          </a:effectRef>
-          <a:fontRef idx="minor">
-            <a:schemeClr val="lt1"/>
-          </a:fontRef>
-        </p:style>
-        <p:txBody>
-          <a:bodyPr rtlCol="0" anchor="ctr"/>
-          <a:lstStyle/>
-          <a:p>
-            <a:pPr algn="ctr"/>
-            <a:endParaRPr kumimoji="1" lang="zh-CN" altLang="en-US">
-              <a:solidFill>
-                <a:schemeClr val="tx1"/>
-              </a:solidFill>
-            </a:endParaRPr>
-          </a:p>
-        </p:txBody>
-      </p:sp>
-      <p:sp>
-        <p:nvSpPr>
-          <p:cNvPr id="31" name="单圆角矩形 30"/>
-          <p:cNvSpPr/>
-          <p:nvPr/>
-        </p:nvSpPr>
-        <p:spPr>
-          <a:xfrm>
-            <a:off x="2906426" y="4123261"/>
-            <a:ext cx="177553" cy="173530"/>
-          </a:xfrm>
-          <a:prstGeom prst="round1Rect">
-            <a:avLst/>
-          </a:prstGeom>
-          <a:solidFill>
-            <a:srgbClr val="00B0F0"/>
-          </a:solidFill>
-          <a:ln>
-            <a:noFill/>
-          </a:ln>
-        </p:spPr>
-        <p:style>
-          <a:lnRef idx="2">
-            <a:schemeClr val="accent1">
-              <a:shade val="50000"/>
-            </a:schemeClr>
-          </a:lnRef>
-          <a:fillRef idx="1">
-            <a:schemeClr val="accent1"/>
-          </a:fillRef>
-          <a:effectRef idx="0">
-            <a:schemeClr val="accent1"/>
-          </a:effectRef>
-          <a:fontRef idx="minor">
-            <a:schemeClr val="lt1"/>
-          </a:fontRef>
-        </p:style>
-        <p:txBody>
-          <a:bodyPr rtlCol="0" anchor="ctr"/>
-          <a:lstStyle/>
-          <a:p>
-            <a:pPr algn="ctr"/>
-            <a:endParaRPr kumimoji="1" lang="zh-CN" altLang="en-US">
-              <a:solidFill>
-                <a:schemeClr val="tx1"/>
-              </a:solidFill>
-            </a:endParaRPr>
-          </a:p>
-        </p:txBody>
-      </p:sp>
-      <p:sp>
-        <p:nvSpPr>
-          <p:cNvPr id="32" name="单圆角矩形 31"/>
-          <p:cNvSpPr/>
-          <p:nvPr/>
-        </p:nvSpPr>
-        <p:spPr>
-          <a:xfrm>
-            <a:off x="2342224" y="4572116"/>
-            <a:ext cx="177553" cy="173530"/>
-          </a:xfrm>
-          <a:prstGeom prst="round1Rect">
-            <a:avLst/>
-          </a:prstGeom>
-          <a:solidFill>
-            <a:srgbClr val="00B0F0"/>
-          </a:solidFill>
-          <a:ln>
-            <a:noFill/>
-          </a:ln>
-        </p:spPr>
-        <p:style>
-          <a:lnRef idx="2">
-            <a:schemeClr val="accent1">
-              <a:shade val="50000"/>
-            </a:schemeClr>
-          </a:lnRef>
-          <a:fillRef idx="1">
-            <a:schemeClr val="accent1"/>
-          </a:fillRef>
-          <a:effectRef idx="0">
-            <a:schemeClr val="accent1"/>
-          </a:effectRef>
-          <a:fontRef idx="minor">
-            <a:schemeClr val="lt1"/>
-          </a:fontRef>
-        </p:style>
-        <p:txBody>
-          <a:bodyPr rtlCol="0" anchor="ctr"/>
-          <a:lstStyle/>
-          <a:p>
-            <a:pPr algn="ctr"/>
-            <a:endParaRPr kumimoji="1" lang="zh-CN" altLang="en-US">
-              <a:solidFill>
-                <a:schemeClr val="tx1"/>
-              </a:solidFill>
-            </a:endParaRPr>
-          </a:p>
-        </p:txBody>
-      </p:sp>
-      <p:sp>
-        <p:nvSpPr>
-          <p:cNvPr id="33" name="单圆角矩形 32"/>
-          <p:cNvSpPr/>
-          <p:nvPr/>
-        </p:nvSpPr>
-        <p:spPr>
-          <a:xfrm>
-            <a:off x="2862039" y="5230426"/>
-            <a:ext cx="177553" cy="173530"/>
-          </a:xfrm>
-          <a:prstGeom prst="round1Rect">
-            <a:avLst/>
-          </a:prstGeom>
-          <a:solidFill>
-            <a:srgbClr val="00B0F0"/>
-          </a:solidFill>
-          <a:ln>
-            <a:noFill/>
-          </a:ln>
-        </p:spPr>
-        <p:style>
-          <a:lnRef idx="2">
-            <a:schemeClr val="accent1">
-              <a:shade val="50000"/>
-            </a:schemeClr>
-          </a:lnRef>
-          <a:fillRef idx="1">
-            <a:schemeClr val="accent1"/>
-          </a:fillRef>
-          <a:effectRef idx="0">
-            <a:schemeClr val="accent1"/>
-          </a:effectRef>
-          <a:fontRef idx="minor">
-            <a:schemeClr val="lt1"/>
-          </a:fontRef>
-        </p:style>
-        <p:txBody>
-          <a:bodyPr rtlCol="0" anchor="ctr"/>
-          <a:lstStyle/>
-          <a:p>
-            <a:pPr algn="ctr"/>
-            <a:endParaRPr kumimoji="1" lang="zh-CN" altLang="en-US">
-              <a:solidFill>
-                <a:schemeClr val="tx1"/>
-              </a:solidFill>
-            </a:endParaRPr>
-          </a:p>
-        </p:txBody>
-      </p:sp>
-      <p:sp>
-        <p:nvSpPr>
-          <p:cNvPr id="34" name="等腰三角形 33"/>
-          <p:cNvSpPr/>
-          <p:nvPr/>
-        </p:nvSpPr>
-        <p:spPr>
-          <a:xfrm>
-            <a:off x="4705788" y="3515557"/>
-            <a:ext cx="159798" cy="150921"/>
-          </a:xfrm>
-          <a:prstGeom prst="triangle">
-            <a:avLst/>
-          </a:prstGeom>
-          <a:ln>
-            <a:noFill/>
-          </a:ln>
-        </p:spPr>
-        <p:style>
-          <a:lnRef idx="2">
-            <a:schemeClr val="accent1">
-              <a:shade val="50000"/>
-            </a:schemeClr>
-          </a:lnRef>
-          <a:fillRef idx="1">
-            <a:schemeClr val="accent1"/>
-          </a:fillRef>
-          <a:effectRef idx="0">
-            <a:schemeClr val="accent1"/>
-          </a:effectRef>
-          <a:fontRef idx="minor">
-            <a:schemeClr val="lt1"/>
-          </a:fontRef>
-        </p:style>
-        <p:txBody>
-          <a:bodyPr rtlCol="0" anchor="ctr"/>
-          <a:lstStyle/>
-          <a:p>
-            <a:pPr algn="ctr"/>
-            <a:endParaRPr kumimoji="1" lang="zh-CN" altLang="en-US">
-              <a:solidFill>
-                <a:schemeClr val="tx1"/>
-              </a:solidFill>
-            </a:endParaRPr>
-          </a:p>
-        </p:txBody>
-      </p:sp>
-      <p:sp>
-        <p:nvSpPr>
-          <p:cNvPr id="35" name="单圆角矩形 34"/>
-          <p:cNvSpPr/>
-          <p:nvPr/>
-        </p:nvSpPr>
-        <p:spPr>
-          <a:xfrm>
-            <a:off x="6387952" y="3492948"/>
-            <a:ext cx="177553" cy="173530"/>
-          </a:xfrm>
-          <a:prstGeom prst="round1Rect">
-            <a:avLst/>
-          </a:prstGeom>
-          <a:solidFill>
-            <a:srgbClr val="00B0F0"/>
-          </a:solidFill>
-          <a:ln>
-            <a:noFill/>
-          </a:ln>
-        </p:spPr>
-        <p:style>
-          <a:lnRef idx="2">
-            <a:schemeClr val="accent1">
-              <a:shade val="50000"/>
-            </a:schemeClr>
-          </a:lnRef>
-          <a:fillRef idx="1">
-            <a:schemeClr val="accent1"/>
-          </a:fillRef>
-          <a:effectRef idx="0">
-            <a:schemeClr val="accent1"/>
-          </a:effectRef>
-          <a:fontRef idx="minor">
-            <a:schemeClr val="lt1"/>
-          </a:fontRef>
-        </p:style>
-        <p:txBody>
-          <a:bodyPr rtlCol="0" anchor="ctr"/>
-          <a:lstStyle/>
-          <a:p>
-            <a:pPr algn="ctr"/>
-            <a:endParaRPr kumimoji="1" lang="zh-CN" altLang="en-US">
-              <a:solidFill>
-                <a:schemeClr val="tx1"/>
-              </a:solidFill>
-            </a:endParaRPr>
-          </a:p>
-        </p:txBody>
-      </p:sp>
-      <p:sp>
-        <p:nvSpPr>
-          <p:cNvPr id="36" name="文本框 35"/>
-          <p:cNvSpPr txBox="1"/>
-          <p:nvPr/>
-        </p:nvSpPr>
-        <p:spPr>
-          <a:xfrm>
-            <a:off x="4010720" y="3388843"/>
-            <a:ext cx="958790" cy="369332"/>
-          </a:xfrm>
-          <a:prstGeom prst="rect">
-            <a:avLst/>
-          </a:prstGeom>
-          <a:noFill/>
-        </p:spPr>
-        <p:txBody>
-          <a:bodyPr wrap="square" rtlCol="0">
-            <a:spAutoFit/>
-          </a:bodyPr>
-          <a:lstStyle/>
-          <a:p>
-            <a:r>
-              <a:rPr lang="zh-CN" altLang="en-US" dirty="0" smtClean="0"/>
-              <a:t>正例：</a:t>
-            </a:r>
-            <a:endParaRPr lang="zh-CN" altLang="en-US" dirty="0"/>
-          </a:p>
-        </p:txBody>
-      </p:sp>
-      <p:sp>
-        <p:nvSpPr>
-          <p:cNvPr id="37" name="文本框 36"/>
-          <p:cNvSpPr txBox="1"/>
-          <p:nvPr/>
-        </p:nvSpPr>
-        <p:spPr>
-          <a:xfrm>
-            <a:off x="5656992" y="3395047"/>
-            <a:ext cx="958790" cy="369332"/>
-          </a:xfrm>
-          <a:prstGeom prst="rect">
-            <a:avLst/>
-          </a:prstGeom>
-          <a:noFill/>
-        </p:spPr>
-        <p:txBody>
-          <a:bodyPr wrap="square" rtlCol="0">
-            <a:spAutoFit/>
-          </a:bodyPr>
-          <a:lstStyle/>
-          <a:p>
-            <a:r>
-              <a:rPr lang="zh-CN" altLang="en-US" dirty="0"/>
-              <a:t>负</a:t>
-            </a:r>
-            <a:r>
-              <a:rPr lang="zh-CN" altLang="en-US" dirty="0" smtClean="0"/>
-              <a:t>例：</a:t>
-            </a:r>
-            <a:endParaRPr lang="zh-CN" altLang="en-US" dirty="0"/>
-          </a:p>
-        </p:txBody>
-      </p:sp>
-      <p:sp>
-        <p:nvSpPr>
-          <p:cNvPr id="38" name="等腰三角形 37"/>
-          <p:cNvSpPr/>
-          <p:nvPr/>
-        </p:nvSpPr>
-        <p:spPr>
-          <a:xfrm>
-            <a:off x="8080160" y="4402260"/>
-            <a:ext cx="159798" cy="150921"/>
-          </a:xfrm>
-          <a:prstGeom prst="triangle">
-            <a:avLst/>
-          </a:prstGeom>
-          <a:ln>
-            <a:noFill/>
-          </a:ln>
-        </p:spPr>
-        <p:style>
-          <a:lnRef idx="2">
-            <a:schemeClr val="accent1">
-              <a:shade val="50000"/>
-            </a:schemeClr>
-          </a:lnRef>
-          <a:fillRef idx="1">
-            <a:schemeClr val="accent1"/>
-          </a:fillRef>
-          <a:effectRef idx="0">
-            <a:schemeClr val="accent1"/>
-          </a:effectRef>
-          <a:fontRef idx="minor">
-            <a:schemeClr val="lt1"/>
-          </a:fontRef>
-        </p:style>
-        <p:txBody>
-          <a:bodyPr rtlCol="0" anchor="ctr"/>
-          <a:lstStyle/>
-          <a:p>
-            <a:pPr algn="ctr"/>
-            <a:endParaRPr kumimoji="1" lang="zh-CN" altLang="en-US">
-              <a:solidFill>
-                <a:schemeClr val="tx1"/>
-              </a:solidFill>
-            </a:endParaRPr>
-          </a:p>
-        </p:txBody>
-      </p:sp>
-      <p:sp>
-        <p:nvSpPr>
-          <p:cNvPr id="39" name="等腰三角形 38"/>
-          <p:cNvSpPr/>
-          <p:nvPr/>
-        </p:nvSpPr>
-        <p:spPr>
-          <a:xfrm>
-            <a:off x="8609861" y="4326799"/>
-            <a:ext cx="159798" cy="150921"/>
-          </a:xfrm>
-          <a:prstGeom prst="triangle">
-            <a:avLst/>
-          </a:prstGeom>
-          <a:ln>
-            <a:noFill/>
-          </a:ln>
-        </p:spPr>
-        <p:style>
-          <a:lnRef idx="2">
-            <a:schemeClr val="accent1">
-              <a:shade val="50000"/>
-            </a:schemeClr>
-          </a:lnRef>
-          <a:fillRef idx="1">
-            <a:schemeClr val="accent1"/>
-          </a:fillRef>
-          <a:effectRef idx="0">
-            <a:schemeClr val="accent1"/>
-          </a:effectRef>
-          <a:fontRef idx="minor">
-            <a:schemeClr val="lt1"/>
-          </a:fontRef>
-        </p:style>
-        <p:txBody>
-          <a:bodyPr rtlCol="0" anchor="ctr"/>
-          <a:lstStyle/>
-          <a:p>
-            <a:pPr algn="ctr"/>
-            <a:endParaRPr kumimoji="1" lang="zh-CN" altLang="en-US">
-              <a:solidFill>
-                <a:schemeClr val="tx1"/>
-              </a:solidFill>
-            </a:endParaRPr>
-          </a:p>
-        </p:txBody>
-      </p:sp>
-      <p:sp>
-        <p:nvSpPr>
-          <p:cNvPr id="40" name="等腰三角形 39"/>
-          <p:cNvSpPr/>
-          <p:nvPr/>
-        </p:nvSpPr>
-        <p:spPr>
-          <a:xfrm>
-            <a:off x="7964751" y="4936399"/>
-            <a:ext cx="159798" cy="150921"/>
-          </a:xfrm>
-          <a:prstGeom prst="triangle">
-            <a:avLst/>
-          </a:prstGeom>
-          <a:ln>
-            <a:noFill/>
-          </a:ln>
-        </p:spPr>
-        <p:style>
-          <a:lnRef idx="2">
-            <a:schemeClr val="accent1">
-              <a:shade val="50000"/>
-            </a:schemeClr>
-          </a:lnRef>
-          <a:fillRef idx="1">
-            <a:schemeClr val="accent1"/>
-          </a:fillRef>
-          <a:effectRef idx="0">
-            <a:schemeClr val="accent1"/>
-          </a:effectRef>
-          <a:fontRef idx="minor">
-            <a:schemeClr val="lt1"/>
-          </a:fontRef>
-        </p:style>
-        <p:txBody>
-          <a:bodyPr rtlCol="0" anchor="ctr"/>
-          <a:lstStyle/>
-          <a:p>
-            <a:pPr algn="ctr"/>
-            <a:endParaRPr kumimoji="1" lang="zh-CN" altLang="en-US">
-              <a:solidFill>
-                <a:schemeClr val="tx1"/>
-              </a:solidFill>
-            </a:endParaRPr>
-          </a:p>
-        </p:txBody>
-      </p:sp>
-      <p:sp>
-        <p:nvSpPr>
-          <p:cNvPr id="42" name="等腰三角形 41"/>
-          <p:cNvSpPr/>
-          <p:nvPr/>
-        </p:nvSpPr>
-        <p:spPr>
-          <a:xfrm>
-            <a:off x="8689760" y="5011860"/>
-            <a:ext cx="159798" cy="150921"/>
-          </a:xfrm>
-          <a:prstGeom prst="triangle">
-            <a:avLst/>
-          </a:prstGeom>
-          <a:ln>
-            <a:noFill/>
-          </a:ln>
-        </p:spPr>
-        <p:style>
-          <a:lnRef idx="2">
-            <a:schemeClr val="accent1">
-              <a:shade val="50000"/>
-            </a:schemeClr>
-          </a:lnRef>
-          <a:fillRef idx="1">
-            <a:schemeClr val="accent1"/>
-          </a:fillRef>
-          <a:effectRef idx="0">
-            <a:schemeClr val="accent1"/>
-          </a:effectRef>
-          <a:fontRef idx="minor">
-            <a:schemeClr val="lt1"/>
-          </a:fontRef>
-        </p:style>
-        <p:txBody>
-          <a:bodyPr rtlCol="0" anchor="ctr"/>
-          <a:lstStyle/>
-          <a:p>
-            <a:pPr algn="ctr"/>
-            <a:endParaRPr kumimoji="1" lang="zh-CN" altLang="en-US">
-              <a:solidFill>
-                <a:schemeClr val="tx1"/>
-              </a:solidFill>
-            </a:endParaRPr>
-          </a:p>
-        </p:txBody>
-      </p:sp>
-      <p:sp>
-        <p:nvSpPr>
-          <p:cNvPr id="43" name="单圆角矩形 42"/>
-          <p:cNvSpPr/>
-          <p:nvPr/>
-        </p:nvSpPr>
-        <p:spPr>
-          <a:xfrm>
-            <a:off x="9323033" y="4681491"/>
-            <a:ext cx="177553" cy="173530"/>
-          </a:xfrm>
-          <a:prstGeom prst="round1Rect">
-            <a:avLst/>
-          </a:prstGeom>
-          <a:solidFill>
-            <a:srgbClr val="00B0F0"/>
-          </a:solidFill>
-          <a:ln>
-            <a:noFill/>
-          </a:ln>
-        </p:spPr>
-        <p:style>
-          <a:lnRef idx="2">
-            <a:schemeClr val="accent1">
-              <a:shade val="50000"/>
-            </a:schemeClr>
-          </a:lnRef>
-          <a:fillRef idx="1">
-            <a:schemeClr val="accent1"/>
-          </a:fillRef>
-          <a:effectRef idx="0">
-            <a:schemeClr val="accent1"/>
-          </a:effectRef>
-          <a:fontRef idx="minor">
-            <a:schemeClr val="lt1"/>
-          </a:fontRef>
-        </p:style>
-        <p:txBody>
-          <a:bodyPr rtlCol="0" anchor="ctr"/>
-          <a:lstStyle/>
-          <a:p>
-            <a:pPr algn="ctr"/>
-            <a:endParaRPr kumimoji="1" lang="zh-CN" altLang="en-US">
-              <a:solidFill>
-                <a:schemeClr val="tx1"/>
-              </a:solidFill>
-            </a:endParaRPr>
-          </a:p>
-        </p:txBody>
-      </p:sp>
-      <p:sp>
-        <p:nvSpPr>
-          <p:cNvPr id="44" name="单圆角矩形 43"/>
-          <p:cNvSpPr/>
-          <p:nvPr/>
-        </p:nvSpPr>
-        <p:spPr>
-          <a:xfrm>
-            <a:off x="8971355" y="4228729"/>
-            <a:ext cx="177553" cy="173530"/>
-          </a:xfrm>
-          <a:prstGeom prst="round1Rect">
-            <a:avLst/>
-          </a:prstGeom>
-          <a:solidFill>
-            <a:srgbClr val="00B0F0"/>
-          </a:solidFill>
-          <a:ln>
-            <a:noFill/>
-          </a:ln>
-        </p:spPr>
-        <p:style>
-          <a:lnRef idx="2">
-            <a:schemeClr val="accent1">
-              <a:shade val="50000"/>
-            </a:schemeClr>
-          </a:lnRef>
-          <a:fillRef idx="1">
-            <a:schemeClr val="accent1"/>
-          </a:fillRef>
-          <a:effectRef idx="0">
-            <a:schemeClr val="accent1"/>
-          </a:effectRef>
-          <a:fontRef idx="minor">
-            <a:schemeClr val="lt1"/>
-          </a:fontRef>
-        </p:style>
-        <p:txBody>
-          <a:bodyPr rtlCol="0" anchor="ctr"/>
-          <a:lstStyle/>
-          <a:p>
-            <a:pPr algn="ctr"/>
-            <a:endParaRPr kumimoji="1" lang="zh-CN" altLang="en-US">
-              <a:solidFill>
-                <a:schemeClr val="tx1"/>
-              </a:solidFill>
-            </a:endParaRPr>
-          </a:p>
-        </p:txBody>
-      </p:sp>
-      <p:sp>
-        <p:nvSpPr>
-          <p:cNvPr id="45" name="单圆角矩形 44"/>
-          <p:cNvSpPr/>
-          <p:nvPr/>
-        </p:nvSpPr>
-        <p:spPr>
-          <a:xfrm>
-            <a:off x="8407153" y="4677584"/>
-            <a:ext cx="177553" cy="173530"/>
-          </a:xfrm>
-          <a:prstGeom prst="round1Rect">
-            <a:avLst/>
-          </a:prstGeom>
-          <a:solidFill>
-            <a:srgbClr val="00B0F0"/>
-          </a:solidFill>
-          <a:ln>
-            <a:noFill/>
-          </a:ln>
-        </p:spPr>
-        <p:style>
-          <a:lnRef idx="2">
-            <a:schemeClr val="accent1">
-              <a:shade val="50000"/>
-            </a:schemeClr>
-          </a:lnRef>
-          <a:fillRef idx="1">
-            <a:schemeClr val="accent1"/>
-          </a:fillRef>
-          <a:effectRef idx="0">
-            <a:schemeClr val="accent1"/>
-          </a:effectRef>
-          <a:fontRef idx="minor">
-            <a:schemeClr val="lt1"/>
-          </a:fontRef>
-        </p:style>
-        <p:txBody>
-          <a:bodyPr rtlCol="0" anchor="ctr"/>
-          <a:lstStyle/>
-          <a:p>
-            <a:pPr algn="ctr"/>
-            <a:endParaRPr kumimoji="1" lang="zh-CN" altLang="en-US">
-              <a:solidFill>
-                <a:schemeClr val="tx1"/>
-              </a:solidFill>
-            </a:endParaRPr>
-          </a:p>
-        </p:txBody>
-      </p:sp>
-      <p:sp>
-        <p:nvSpPr>
-          <p:cNvPr id="46" name="单圆角矩形 45"/>
-          <p:cNvSpPr/>
-          <p:nvPr/>
-        </p:nvSpPr>
-        <p:spPr>
-          <a:xfrm>
-            <a:off x="8926968" y="5335894"/>
-            <a:ext cx="177553" cy="173530"/>
-          </a:xfrm>
-          <a:prstGeom prst="round1Rect">
-            <a:avLst/>
-          </a:prstGeom>
-          <a:solidFill>
-            <a:srgbClr val="00B0F0"/>
-          </a:solidFill>
-          <a:ln>
-            <a:noFill/>
-          </a:ln>
-        </p:spPr>
-        <p:style>
-          <a:lnRef idx="2">
-            <a:schemeClr val="accent1">
-              <a:shade val="50000"/>
-            </a:schemeClr>
-          </a:lnRef>
-          <a:fillRef idx="1">
-            <a:schemeClr val="accent1"/>
-          </a:fillRef>
-          <a:effectRef idx="0">
-            <a:schemeClr val="accent1"/>
-          </a:effectRef>
-          <a:fontRef idx="minor">
-            <a:schemeClr val="lt1"/>
-          </a:fontRef>
-        </p:style>
-        <p:txBody>
-          <a:bodyPr rtlCol="0" anchor="ctr"/>
-          <a:lstStyle/>
-          <a:p>
-            <a:pPr algn="ctr"/>
-            <a:endParaRPr kumimoji="1" lang="zh-CN" altLang="en-US">
-              <a:solidFill>
-                <a:schemeClr val="tx1"/>
-              </a:solidFill>
-            </a:endParaRPr>
-          </a:p>
-        </p:txBody>
-      </p:sp>
-      <p:sp>
-        <p:nvSpPr>
-          <p:cNvPr id="47" name="单圆角矩形 46"/>
-          <p:cNvSpPr/>
-          <p:nvPr/>
-        </p:nvSpPr>
-        <p:spPr>
-          <a:xfrm>
-            <a:off x="9475433" y="5011860"/>
-            <a:ext cx="177553" cy="173530"/>
-          </a:xfrm>
-          <a:prstGeom prst="round1Rect">
-            <a:avLst/>
-          </a:prstGeom>
-          <a:solidFill>
-            <a:srgbClr val="00B0F0"/>
-          </a:solidFill>
-          <a:ln>
-            <a:noFill/>
-          </a:ln>
-        </p:spPr>
-        <p:style>
-          <a:lnRef idx="2">
-            <a:schemeClr val="accent1">
-              <a:shade val="50000"/>
-            </a:schemeClr>
-          </a:lnRef>
-          <a:fillRef idx="1">
-            <a:schemeClr val="accent1"/>
-          </a:fillRef>
-          <a:effectRef idx="0">
-            <a:schemeClr val="accent1"/>
-          </a:effectRef>
-          <a:fontRef idx="minor">
-            <a:schemeClr val="lt1"/>
-          </a:fontRef>
-        </p:style>
-        <p:txBody>
-          <a:bodyPr rtlCol="0" anchor="ctr"/>
-          <a:lstStyle/>
-          <a:p>
-            <a:pPr algn="ctr"/>
-            <a:endParaRPr kumimoji="1" lang="zh-CN" altLang="en-US">
-              <a:solidFill>
-                <a:schemeClr val="tx1"/>
-              </a:solidFill>
-            </a:endParaRPr>
-          </a:p>
-        </p:txBody>
-      </p:sp>
-      <p:sp>
-        <p:nvSpPr>
-          <p:cNvPr id="48" name="单圆角矩形 47"/>
-          <p:cNvSpPr/>
-          <p:nvPr/>
-        </p:nvSpPr>
-        <p:spPr>
-          <a:xfrm>
-            <a:off x="3342172" y="4989251"/>
-            <a:ext cx="177553" cy="173530"/>
-          </a:xfrm>
-          <a:prstGeom prst="round1Rect">
-            <a:avLst/>
-          </a:prstGeom>
-          <a:solidFill>
-            <a:srgbClr val="00B0F0"/>
-          </a:solidFill>
-          <a:ln>
-            <a:noFill/>
-          </a:ln>
-        </p:spPr>
-        <p:style>
-          <a:lnRef idx="2">
-            <a:schemeClr val="accent1">
-              <a:shade val="50000"/>
-            </a:schemeClr>
-          </a:lnRef>
-          <a:fillRef idx="1">
-            <a:schemeClr val="accent1"/>
-          </a:fillRef>
-          <a:effectRef idx="0">
-            <a:schemeClr val="accent1"/>
-          </a:effectRef>
-          <a:fontRef idx="minor">
-            <a:schemeClr val="lt1"/>
-          </a:fontRef>
-        </p:style>
-        <p:txBody>
-          <a:bodyPr rtlCol="0" anchor="ctr"/>
-          <a:lstStyle/>
-          <a:p>
-            <a:pPr algn="ctr"/>
-            <a:endParaRPr kumimoji="1" lang="zh-CN" altLang="en-US">
-              <a:solidFill>
-                <a:schemeClr val="tx1"/>
-              </a:solidFill>
-            </a:endParaRPr>
-          </a:p>
-        </p:txBody>
-      </p:sp>
-      <p:sp>
-        <p:nvSpPr>
-          <p:cNvPr id="49" name="等腰三角形 48"/>
-          <p:cNvSpPr/>
-          <p:nvPr/>
-        </p:nvSpPr>
-        <p:spPr>
-          <a:xfrm>
-            <a:off x="2421115" y="5479647"/>
-            <a:ext cx="159798" cy="150921"/>
-          </a:xfrm>
-          <a:prstGeom prst="triangle">
-            <a:avLst/>
-          </a:prstGeom>
-          <a:ln>
-            <a:noFill/>
-          </a:ln>
-        </p:spPr>
-        <p:style>
-          <a:lnRef idx="2">
-            <a:schemeClr val="accent1">
-              <a:shade val="50000"/>
-            </a:schemeClr>
-          </a:lnRef>
-          <a:fillRef idx="1">
-            <a:schemeClr val="accent1"/>
-          </a:fillRef>
-          <a:effectRef idx="0">
-            <a:schemeClr val="accent1"/>
-          </a:effectRef>
-          <a:fontRef idx="minor">
-            <a:schemeClr val="lt1"/>
-          </a:fontRef>
-        </p:style>
-        <p:txBody>
-          <a:bodyPr rtlCol="0" anchor="ctr"/>
-          <a:lstStyle/>
-          <a:p>
-            <a:pPr algn="ctr"/>
-            <a:endParaRPr kumimoji="1" lang="zh-CN" altLang="en-US">
-              <a:solidFill>
-                <a:schemeClr val="tx1"/>
-              </a:solidFill>
-            </a:endParaRPr>
-          </a:p>
-        </p:txBody>
-      </p:sp>
-      <p:sp>
-        <p:nvSpPr>
-          <p:cNvPr id="50" name="文本框 49"/>
-          <p:cNvSpPr txBox="1"/>
-          <p:nvPr/>
-        </p:nvSpPr>
-        <p:spPr>
-          <a:xfrm>
-            <a:off x="2357977" y="6155886"/>
-            <a:ext cx="286073" cy="369332"/>
-          </a:xfrm>
-          <a:prstGeom prst="rect">
-            <a:avLst/>
-          </a:prstGeom>
-          <a:noFill/>
-        </p:spPr>
-        <p:txBody>
-          <a:bodyPr wrap="square" rtlCol="0">
-            <a:spAutoFit/>
-          </a:bodyPr>
-          <a:lstStyle/>
-          <a:p>
-            <a:r>
-              <a:rPr lang="en-US" altLang="zh-CN" dirty="0" smtClean="0"/>
-              <a:t>Y</a:t>
-            </a:r>
-            <a:endParaRPr lang="zh-CN" altLang="en-US" dirty="0"/>
-          </a:p>
-        </p:txBody>
-      </p:sp>
-      <p:sp>
-        <p:nvSpPr>
-          <p:cNvPr id="51" name="文本框 50"/>
-          <p:cNvSpPr txBox="1"/>
-          <p:nvPr/>
-        </p:nvSpPr>
-        <p:spPr>
-          <a:xfrm>
-            <a:off x="8600458" y="6155886"/>
-            <a:ext cx="286073" cy="369332"/>
-          </a:xfrm>
-          <a:prstGeom prst="rect">
-            <a:avLst/>
-          </a:prstGeom>
-          <a:noFill/>
-        </p:spPr>
-        <p:txBody>
-          <a:bodyPr wrap="square" rtlCol="0">
-            <a:spAutoFit/>
-          </a:bodyPr>
-          <a:lstStyle/>
-          <a:p>
-            <a:r>
-              <a:rPr lang="en-US" altLang="zh-CN" dirty="0" smtClean="0"/>
-              <a:t>Y</a:t>
-            </a:r>
-            <a:endParaRPr lang="zh-CN" altLang="en-US" dirty="0"/>
-          </a:p>
-        </p:txBody>
-      </p:sp>
-      <p:sp>
-        <p:nvSpPr>
-          <p:cNvPr id="52" name="右箭头 51"/>
-          <p:cNvSpPr/>
-          <p:nvPr/>
-        </p:nvSpPr>
-        <p:spPr>
-          <a:xfrm>
-            <a:off x="5264457" y="4738130"/>
-            <a:ext cx="727969" cy="156735"/>
-          </a:xfrm>
-          <a:prstGeom prst="rightArrow">
-            <a:avLst/>
-          </a:prstGeom>
-          <a:ln>
-            <a:noFill/>
-          </a:ln>
-        </p:spPr>
-        <p:style>
-          <a:lnRef idx="2">
-            <a:schemeClr val="accent1">
-              <a:shade val="50000"/>
-            </a:schemeClr>
-          </a:lnRef>
-          <a:fillRef idx="1">
-            <a:schemeClr val="accent1"/>
-          </a:fillRef>
-          <a:effectRef idx="0">
-            <a:schemeClr val="accent1"/>
-          </a:effectRef>
-          <a:fontRef idx="minor">
-            <a:schemeClr val="lt1"/>
-          </a:fontRef>
-        </p:style>
-        <p:txBody>
-          <a:bodyPr rtlCol="0" anchor="ctr"/>
-          <a:lstStyle/>
-          <a:p>
-            <a:pPr algn="ctr"/>
-            <a:endParaRPr kumimoji="1" lang="zh-CN" altLang="en-US">
-              <a:solidFill>
-                <a:schemeClr val="tx1"/>
-              </a:solidFill>
-            </a:endParaRPr>
-          </a:p>
-        </p:txBody>
-      </p:sp>
     </p:spTree>
     <p:extLst>
       <p:ext uri="{BB962C8B-B14F-4D97-AF65-F5344CB8AC3E}">
-        <p14:creationId xmlns:p14="http://schemas.microsoft.com/office/powerpoint/2010/main" val="2002858705"/>
+        <p14:creationId xmlns:p14="http://schemas.microsoft.com/office/powerpoint/2010/main" val="2294237968"/>
       </p:ext>
     </p:extLst>
   </p:cSld>
@@ -7181,7 +7254,7 @@
           <a:p>
             <a:r>
               <a:rPr lang="zh-CN" altLang="en-US" dirty="0" smtClean="0"/>
-              <a:t>分类结果</a:t>
+              <a:t>逻辑回归算法</a:t>
             </a:r>
             <a:endParaRPr lang="zh-CN" altLang="en-US" dirty="0"/>
           </a:p>
@@ -7203,12 +7276,12 @@
           <a:lstStyle/>
           <a:p>
             <a:r>
+              <a:rPr lang="en-US" altLang="zh-CN" sz="2400" dirty="0"/>
+              <a:t>5</a:t>
+            </a:r>
+            <a:r>
               <a:rPr lang="en-US" altLang="zh-CN" sz="2400" dirty="0" smtClean="0"/>
-              <a:t>4</a:t>
-            </a:r>
-            <a:r>
-              <a:rPr lang="en-US" altLang="zh-CN" sz="2400" dirty="0" smtClean="0"/>
-              <a:t>-3</a:t>
+              <a:t>-1</a:t>
             </a:r>
             <a:endParaRPr lang="zh-CN" altLang="en-US" sz="2400" dirty="0"/>
           </a:p>
@@ -7238,79 +7311,6 @@
             <a:r>
               <a:rPr lang="zh-CN" altLang="en-US" dirty="0" smtClean="0"/>
               <a:t>        </a:t>
-            </a:r>
-            <a:endParaRPr lang="zh-CN" altLang="en-US" dirty="0"/>
-          </a:p>
-        </p:txBody>
-      </p:sp>
-      <p:sp>
-        <p:nvSpPr>
-          <p:cNvPr id="10" name="矩形 9"/>
-          <p:cNvSpPr/>
-          <p:nvPr/>
-        </p:nvSpPr>
-        <p:spPr>
-          <a:xfrm>
-            <a:off x="739806" y="1825953"/>
-            <a:ext cx="1985639" cy="2031325"/>
-          </a:xfrm>
-          <a:prstGeom prst="rect">
-            <a:avLst/>
-          </a:prstGeom>
-        </p:spPr>
-        <p:txBody>
-          <a:bodyPr wrap="square">
-            <a:spAutoFit/>
-          </a:bodyPr>
-          <a:lstStyle/>
-          <a:p>
-            <a:r>
-              <a:rPr lang="zh-CN" altLang="en-US" dirty="0" smtClean="0"/>
-              <a:t>对于小样本</a:t>
-            </a:r>
-            <a:r>
-              <a:rPr lang="zh-CN" altLang="en-US" dirty="0"/>
-              <a:t>，在不同的</a:t>
-            </a:r>
-            <a:r>
-              <a:rPr lang="en-US" altLang="zh-CN" dirty="0"/>
-              <a:t>K</a:t>
-            </a:r>
-            <a:r>
-              <a:rPr lang="zh-CN" altLang="en-US" dirty="0"/>
-              <a:t>值时，</a:t>
-            </a:r>
-            <a:r>
-              <a:rPr lang="en-US" altLang="zh-CN" dirty="0"/>
-              <a:t>K-NN</a:t>
-            </a:r>
-            <a:r>
-              <a:rPr lang="zh-CN" altLang="en-US" dirty="0"/>
-              <a:t>分类对应的</a:t>
-            </a:r>
-            <a:r>
-              <a:rPr lang="en-US" altLang="zh-CN" dirty="0"/>
-              <a:t>Precision</a:t>
-            </a:r>
-            <a:r>
-              <a:rPr lang="zh-CN" altLang="en-US" dirty="0"/>
-              <a:t>，</a:t>
-            </a:r>
-            <a:r>
-              <a:rPr lang="en-US" altLang="zh-CN" dirty="0"/>
-              <a:t>Recall</a:t>
-            </a:r>
-            <a:r>
-              <a:rPr lang="zh-CN" altLang="en-US" dirty="0"/>
-              <a:t>，</a:t>
-            </a:r>
-            <a:r>
-              <a:rPr lang="en-US" altLang="zh-CN" dirty="0"/>
-              <a:t>Accuracy</a:t>
-            </a:r>
-            <a:r>
-              <a:rPr lang="zh-CN" altLang="en-US" dirty="0" smtClean="0"/>
-              <a:t>如右图所示</a:t>
             </a:r>
             <a:endParaRPr lang="zh-CN" altLang="en-US" dirty="0"/>
           </a:p>
@@ -7325,21 +7325,39 @@
           <p:nvPr/>
         </p:nvPicPr>
         <p:blipFill>
-          <a:blip r:embed="rId2">
-            <a:extLst>
-              <a:ext uri="{28A0092B-C50C-407E-A947-70E740481C1C}">
-                <a14:useLocalDpi xmlns:a14="http://schemas.microsoft.com/office/drawing/2010/main" val="0"/>
-              </a:ext>
-            </a:extLst>
-          </a:blip>
+          <a:blip r:embed="rId2"/>
           <a:stretch>
             <a:fillRect/>
           </a:stretch>
         </p:blipFill>
         <p:spPr>
           <a:xfrm>
-            <a:off x="3759155" y="1305342"/>
-            <a:ext cx="7547464" cy="4731798"/>
+            <a:off x="2067110" y="1490008"/>
+            <a:ext cx="7791450" cy="2419350"/>
+          </a:xfrm>
+          <a:prstGeom prst="rect">
+            <a:avLst/>
+          </a:prstGeom>
+        </p:spPr>
+      </p:pic>
+      <p:pic>
+        <p:nvPicPr>
+          <p:cNvPr id="7" name="图片 6"/>
+          <p:cNvPicPr>
+            <a:picLocks noChangeAspect="1"/>
+          </p:cNvPicPr>
+          <p:nvPr/>
+        </p:nvPicPr>
+        <p:blipFill>
+          <a:blip r:embed="rId3"/>
+          <a:stretch>
+            <a:fillRect/>
+          </a:stretch>
+        </p:blipFill>
+        <p:spPr>
+          <a:xfrm>
+            <a:off x="1583701" y="4638675"/>
+            <a:ext cx="8758267" cy="1216426"/>
           </a:xfrm>
           <a:prstGeom prst="rect">
             <a:avLst/>
@@ -7349,7 +7367,7 @@
     </p:spTree>
     <p:extLst>
       <p:ext uri="{BB962C8B-B14F-4D97-AF65-F5344CB8AC3E}">
-        <p14:creationId xmlns:p14="http://schemas.microsoft.com/office/powerpoint/2010/main" val="2294237968"/>
+        <p14:creationId xmlns:p14="http://schemas.microsoft.com/office/powerpoint/2010/main" val="3627597606"/>
       </p:ext>
     </p:extLst>
   </p:cSld>
@@ -7400,7 +7418,7 @@
           <a:p>
             <a:r>
               <a:rPr lang="zh-CN" altLang="en-US" dirty="0" smtClean="0"/>
-              <a:t>逻辑回归算法</a:t>
+              <a:t>分类结果</a:t>
             </a:r>
             <a:endParaRPr lang="zh-CN" altLang="en-US" dirty="0"/>
           </a:p>
@@ -7422,12 +7440,8 @@
           <a:lstStyle/>
           <a:p>
             <a:r>
-              <a:rPr lang="en-US" altLang="zh-CN" sz="2400" dirty="0"/>
-              <a:t>5</a:t>
-            </a:r>
-            <a:r>
               <a:rPr lang="en-US" altLang="zh-CN" sz="2400" dirty="0" smtClean="0"/>
-              <a:t>-1</a:t>
+              <a:t>5-2</a:t>
             </a:r>
             <a:endParaRPr lang="zh-CN" altLang="en-US" sz="2400" dirty="0"/>
           </a:p>
@@ -7457,6 +7471,93 @@
             <a:r>
               <a:rPr lang="zh-CN" altLang="en-US" dirty="0" smtClean="0"/>
               <a:t>        </a:t>
+            </a:r>
+            <a:endParaRPr lang="zh-CN" altLang="en-US" dirty="0"/>
+          </a:p>
+        </p:txBody>
+      </p:sp>
+      <p:sp>
+        <p:nvSpPr>
+          <p:cNvPr id="10" name="矩形 9"/>
+          <p:cNvSpPr/>
+          <p:nvPr/>
+        </p:nvSpPr>
+        <p:spPr>
+          <a:xfrm>
+            <a:off x="1112668" y="1260799"/>
+            <a:ext cx="9904520" cy="923330"/>
+          </a:xfrm>
+          <a:prstGeom prst="rect">
+            <a:avLst/>
+          </a:prstGeom>
+        </p:spPr>
+        <p:txBody>
+          <a:bodyPr wrap="square">
+            <a:spAutoFit/>
+          </a:bodyPr>
+          <a:lstStyle/>
+          <a:p>
+            <a:r>
+              <a:rPr lang="zh-CN" altLang="en-US" dirty="0"/>
+              <a:t>在迭代步长为</a:t>
+            </a:r>
+            <a:r>
+              <a:rPr lang="en-US" altLang="zh-CN" dirty="0"/>
+              <a:t>0.001</a:t>
+            </a:r>
+            <a:r>
+              <a:rPr lang="zh-CN" altLang="en-US" dirty="0"/>
+              <a:t>，迭代次数为</a:t>
+            </a:r>
+            <a:r>
+              <a:rPr lang="en-US" altLang="zh-CN" dirty="0"/>
+              <a:t>5000</a:t>
+            </a:r>
+            <a:r>
+              <a:rPr lang="zh-CN" altLang="en-US" dirty="0"/>
+              <a:t>次时，对大样本的分类准确度</a:t>
+            </a:r>
+            <a:r>
+              <a:rPr lang="zh-CN" altLang="en-US" dirty="0" smtClean="0"/>
+              <a:t>是</a:t>
+            </a:r>
+            <a:r>
+              <a:rPr lang="en-US" altLang="zh-CN" dirty="0" smtClean="0"/>
+              <a:t>0.8953629521728574</a:t>
+            </a:r>
+            <a:endParaRPr lang="en-US" altLang="zh-CN" dirty="0"/>
+          </a:p>
+          <a:p>
+            <a:endParaRPr lang="en-US" altLang="zh-CN" dirty="0"/>
+          </a:p>
+          <a:p>
+            <a:r>
+              <a:rPr lang="zh-CN" altLang="en-US" dirty="0" smtClean="0"/>
+              <a:t>在</a:t>
+            </a:r>
+            <a:r>
+              <a:rPr lang="zh-CN" altLang="en-US" dirty="0"/>
+              <a:t>迭代步长为</a:t>
+            </a:r>
+            <a:r>
+              <a:rPr lang="en-US" altLang="zh-CN" dirty="0"/>
+              <a:t>0.001</a:t>
+            </a:r>
+            <a:r>
+              <a:rPr lang="zh-CN" altLang="en-US" dirty="0"/>
+              <a:t>，迭代次数为</a:t>
+            </a:r>
+            <a:r>
+              <a:rPr lang="en-US" altLang="zh-CN" dirty="0"/>
+              <a:t>5000</a:t>
+            </a:r>
+            <a:r>
+              <a:rPr lang="zh-CN" altLang="en-US" dirty="0"/>
+              <a:t>次时，对小样本的分类准确度是</a:t>
+            </a:r>
+            <a:r>
+              <a:rPr lang="en-US" altLang="zh-CN" dirty="0"/>
+              <a:t>0.9087378640776699</a:t>
             </a:r>
             <a:endParaRPr lang="zh-CN" altLang="en-US" dirty="0"/>
           </a:p>
@@ -7471,49 +7572,76 @@
           <p:nvPr/>
         </p:nvPicPr>
         <p:blipFill>
-          <a:blip r:embed="rId2"/>
+          <a:blip r:embed="rId2">
+            <a:extLst>
+              <a:ext uri="{28A0092B-C50C-407E-A947-70E740481C1C}">
+                <a14:useLocalDpi xmlns:a14="http://schemas.microsoft.com/office/drawing/2010/main" val="0"/>
+              </a:ext>
+            </a:extLst>
+          </a:blip>
           <a:stretch>
             <a:fillRect/>
           </a:stretch>
         </p:blipFill>
         <p:spPr>
           <a:xfrm>
-            <a:off x="2067110" y="1490008"/>
-            <a:ext cx="7791450" cy="2419350"/>
+            <a:off x="2653015" y="2565646"/>
+            <a:ext cx="5967201" cy="4037718"/>
           </a:xfrm>
           <a:prstGeom prst="rect">
             <a:avLst/>
           </a:prstGeom>
         </p:spPr>
       </p:pic>
-      <p:pic>
-        <p:nvPicPr>
-          <p:cNvPr id="7" name="图片 6"/>
-          <p:cNvPicPr>
-            <a:picLocks noChangeAspect="1"/>
-          </p:cNvPicPr>
+      <p:sp>
+        <p:nvSpPr>
+          <p:cNvPr id="7" name="矩形 6"/>
+          <p:cNvSpPr/>
           <p:nvPr/>
-        </p:nvPicPr>
-        <p:blipFill>
-          <a:blip r:embed="rId3"/>
-          <a:stretch>
-            <a:fillRect/>
-          </a:stretch>
-        </p:blipFill>
-        <p:spPr>
-          <a:xfrm>
-            <a:off x="1583701" y="4638675"/>
-            <a:ext cx="8758267" cy="1216426"/>
-          </a:xfrm>
-          <a:prstGeom prst="rect">
-            <a:avLst/>
-          </a:prstGeom>
-        </p:spPr>
-      </p:pic>
+        </p:nvSpPr>
+        <p:spPr>
+          <a:xfrm>
+            <a:off x="570394" y="2923654"/>
+            <a:ext cx="2146742" cy="369332"/>
+          </a:xfrm>
+          <a:prstGeom prst="rect">
+            <a:avLst/>
+          </a:prstGeom>
+        </p:spPr>
+        <p:txBody>
+          <a:bodyPr wrap="none">
+            <a:spAutoFit/>
+          </a:bodyPr>
+          <a:lstStyle/>
+          <a:p>
+            <a:r>
+              <a:rPr lang="zh-CN" altLang="en-US" dirty="0"/>
+              <a:t>迭代次数</a:t>
+            </a:r>
+            <a:r>
+              <a:rPr lang="zh-CN" altLang="en-US" dirty="0" smtClean="0"/>
+              <a:t>为</a:t>
+            </a:r>
+            <a:r>
+              <a:rPr lang="en-US" altLang="zh-CN" dirty="0" smtClean="0"/>
+              <a:t>3000</a:t>
+            </a:r>
+            <a:r>
+              <a:rPr lang="zh-CN" altLang="en-US" dirty="0" smtClean="0"/>
+              <a:t>次</a:t>
+            </a:r>
+            <a:r>
+              <a:rPr lang="en-US" altLang="zh-CN" dirty="0" smtClean="0"/>
+              <a:t>:</a:t>
+            </a:r>
+            <a:endParaRPr lang="zh-CN" altLang="en-US" dirty="0"/>
+          </a:p>
+        </p:txBody>
+      </p:sp>
     </p:spTree>
     <p:extLst>
       <p:ext uri="{BB962C8B-B14F-4D97-AF65-F5344CB8AC3E}">
-        <p14:creationId xmlns:p14="http://schemas.microsoft.com/office/powerpoint/2010/main" val="3627597606"/>
+        <p14:creationId xmlns:p14="http://schemas.microsoft.com/office/powerpoint/2010/main" val="97143820"/>
       </p:ext>
     </p:extLst>
   </p:cSld>
@@ -7563,8 +7691,8 @@
           <a:lstStyle/>
           <a:p>
             <a:r>
-              <a:rPr lang="zh-CN" altLang="en-US" dirty="0" smtClean="0"/>
-              <a:t>分类结果</a:t>
+              <a:rPr lang="zh-CN" altLang="en-US" smtClean="0"/>
+              <a:t>四种分类方法比较</a:t>
             </a:r>
             <a:endParaRPr lang="zh-CN" altLang="en-US" dirty="0"/>
           </a:p>
@@ -7587,289 +7715,7 @@
           <a:p>
             <a:r>
               <a:rPr lang="en-US" altLang="zh-CN" sz="2400" dirty="0" smtClean="0"/>
-              <a:t>5</a:t>
-            </a:r>
-            <a:r>
-              <a:rPr lang="en-US" altLang="zh-CN" sz="2400" dirty="0" smtClean="0"/>
-              <a:t>-2</a:t>
-            </a:r>
-            <a:endParaRPr lang="zh-CN" altLang="en-US" sz="2400" dirty="0"/>
-          </a:p>
-        </p:txBody>
-      </p:sp>
-      <p:sp>
-        <p:nvSpPr>
-          <p:cNvPr id="6" name="矩形 5"/>
-          <p:cNvSpPr/>
-          <p:nvPr/>
-        </p:nvSpPr>
-        <p:spPr>
-          <a:xfrm>
-            <a:off x="886691" y="1305342"/>
-            <a:ext cx="5744928" cy="369332"/>
-          </a:xfrm>
-          <a:prstGeom prst="rect">
-            <a:avLst/>
-          </a:prstGeom>
-        </p:spPr>
-        <p:txBody>
-          <a:bodyPr wrap="square">
-            <a:spAutoFit/>
-          </a:bodyPr>
-          <a:lstStyle/>
-          <a:p>
-            <a:r>
-              <a:rPr lang="zh-CN" altLang="en-US" dirty="0" smtClean="0"/>
-              <a:t>        </a:t>
-            </a:r>
-            <a:endParaRPr lang="zh-CN" altLang="en-US" dirty="0"/>
-          </a:p>
-        </p:txBody>
-      </p:sp>
-      <p:sp>
-        <p:nvSpPr>
-          <p:cNvPr id="10" name="矩形 9"/>
-          <p:cNvSpPr/>
-          <p:nvPr/>
-        </p:nvSpPr>
-        <p:spPr>
-          <a:xfrm>
-            <a:off x="1112668" y="1260799"/>
-            <a:ext cx="9904520" cy="923330"/>
-          </a:xfrm>
-          <a:prstGeom prst="rect">
-            <a:avLst/>
-          </a:prstGeom>
-        </p:spPr>
-        <p:txBody>
-          <a:bodyPr wrap="square">
-            <a:spAutoFit/>
-          </a:bodyPr>
-          <a:lstStyle/>
-          <a:p>
-            <a:r>
-              <a:rPr lang="zh-CN" altLang="en-US" dirty="0"/>
-              <a:t>在迭代步长为</a:t>
-            </a:r>
-            <a:r>
-              <a:rPr lang="en-US" altLang="zh-CN" dirty="0"/>
-              <a:t>0.001</a:t>
-            </a:r>
-            <a:r>
-              <a:rPr lang="zh-CN" altLang="en-US" dirty="0"/>
-              <a:t>，迭代次数为</a:t>
-            </a:r>
-            <a:r>
-              <a:rPr lang="en-US" altLang="zh-CN" dirty="0"/>
-              <a:t>5000</a:t>
-            </a:r>
-            <a:r>
-              <a:rPr lang="zh-CN" altLang="en-US" dirty="0"/>
-              <a:t>次时，对大样本的分类准确度</a:t>
-            </a:r>
-            <a:r>
-              <a:rPr lang="zh-CN" altLang="en-US" dirty="0" smtClean="0"/>
-              <a:t>是</a:t>
-            </a:r>
-            <a:r>
-              <a:rPr lang="en-US" altLang="zh-CN" dirty="0" smtClean="0"/>
-              <a:t>0.8953629521728574</a:t>
-            </a:r>
-            <a:endParaRPr lang="en-US" altLang="zh-CN" dirty="0"/>
-          </a:p>
-          <a:p>
-            <a:endParaRPr lang="en-US" altLang="zh-CN" dirty="0"/>
-          </a:p>
-          <a:p>
-            <a:r>
-              <a:rPr lang="zh-CN" altLang="en-US" dirty="0" smtClean="0"/>
-              <a:t>在</a:t>
-            </a:r>
-            <a:r>
-              <a:rPr lang="zh-CN" altLang="en-US" dirty="0"/>
-              <a:t>迭代步长为</a:t>
-            </a:r>
-            <a:r>
-              <a:rPr lang="en-US" altLang="zh-CN" dirty="0"/>
-              <a:t>0.001</a:t>
-            </a:r>
-            <a:r>
-              <a:rPr lang="zh-CN" altLang="en-US" dirty="0"/>
-              <a:t>，迭代次数为</a:t>
-            </a:r>
-            <a:r>
-              <a:rPr lang="en-US" altLang="zh-CN" dirty="0"/>
-              <a:t>5000</a:t>
-            </a:r>
-            <a:r>
-              <a:rPr lang="zh-CN" altLang="en-US" dirty="0"/>
-              <a:t>次时，对小样本的分类准确度是</a:t>
-            </a:r>
-            <a:r>
-              <a:rPr lang="en-US" altLang="zh-CN" dirty="0"/>
-              <a:t>0.9087378640776699</a:t>
-            </a:r>
-            <a:endParaRPr lang="zh-CN" altLang="en-US" dirty="0"/>
-          </a:p>
-        </p:txBody>
-      </p:sp>
-      <p:pic>
-        <p:nvPicPr>
-          <p:cNvPr id="4" name="图片 3"/>
-          <p:cNvPicPr>
-            <a:picLocks noChangeAspect="1"/>
-          </p:cNvPicPr>
-          <p:nvPr/>
-        </p:nvPicPr>
-        <p:blipFill>
-          <a:blip r:embed="rId2">
-            <a:extLst>
-              <a:ext uri="{28A0092B-C50C-407E-A947-70E740481C1C}">
-                <a14:useLocalDpi xmlns:a14="http://schemas.microsoft.com/office/drawing/2010/main" val="0"/>
-              </a:ext>
-            </a:extLst>
-          </a:blip>
-          <a:stretch>
-            <a:fillRect/>
-          </a:stretch>
-        </p:blipFill>
-        <p:spPr>
-          <a:xfrm>
-            <a:off x="2653015" y="2565646"/>
-            <a:ext cx="5967201" cy="4037718"/>
-          </a:xfrm>
-          <a:prstGeom prst="rect">
-            <a:avLst/>
-          </a:prstGeom>
-        </p:spPr>
-      </p:pic>
-      <p:sp>
-        <p:nvSpPr>
-          <p:cNvPr id="7" name="矩形 6"/>
-          <p:cNvSpPr/>
-          <p:nvPr/>
-        </p:nvSpPr>
-        <p:spPr>
-          <a:xfrm>
-            <a:off x="570394" y="2923654"/>
-            <a:ext cx="2146742" cy="369332"/>
-          </a:xfrm>
-          <a:prstGeom prst="rect">
-            <a:avLst/>
-          </a:prstGeom>
-        </p:spPr>
-        <p:txBody>
-          <a:bodyPr wrap="none">
-            <a:spAutoFit/>
-          </a:bodyPr>
-          <a:lstStyle/>
-          <a:p>
-            <a:r>
-              <a:rPr lang="zh-CN" altLang="en-US" dirty="0"/>
-              <a:t>迭代次数</a:t>
-            </a:r>
-            <a:r>
-              <a:rPr lang="zh-CN" altLang="en-US" dirty="0" smtClean="0"/>
-              <a:t>为</a:t>
-            </a:r>
-            <a:r>
-              <a:rPr lang="en-US" altLang="zh-CN" dirty="0" smtClean="0"/>
-              <a:t>3000</a:t>
-            </a:r>
-            <a:r>
-              <a:rPr lang="zh-CN" altLang="en-US" dirty="0" smtClean="0"/>
-              <a:t>次</a:t>
-            </a:r>
-            <a:r>
-              <a:rPr lang="en-US" altLang="zh-CN" dirty="0" smtClean="0"/>
-              <a:t>:</a:t>
-            </a:r>
-            <a:endParaRPr lang="zh-CN" altLang="en-US" dirty="0"/>
-          </a:p>
-        </p:txBody>
-      </p:sp>
-    </p:spTree>
-    <p:extLst>
-      <p:ext uri="{BB962C8B-B14F-4D97-AF65-F5344CB8AC3E}">
-        <p14:creationId xmlns:p14="http://schemas.microsoft.com/office/powerpoint/2010/main" val="97143820"/>
-      </p:ext>
-    </p:extLst>
-  </p:cSld>
-  <p:clrMapOvr>
-    <a:masterClrMapping/>
-  </p:clrMapOvr>
-  <p:timing>
-    <p:tnLst>
-      <p:par>
-        <p:cTn id="1" dur="indefinite" restart="never" nodeType="tmRoot"/>
-      </p:par>
-    </p:tnLst>
-  </p:timing>
-</p:sld>
-</file>
-
-<file path=ppt/slides/slide15.xml><?xml version="1.0" encoding="utf-8"?>
-<p:sld xmlns:a="http://schemas.openxmlformats.org/drawingml/2006/main" xmlns:r="http://schemas.openxmlformats.org/officeDocument/2006/relationships" xmlns:p="http://schemas.openxmlformats.org/presentationml/2006/main">
-  <p:cSld>
-    <p:spTree>
-      <p:nvGrpSpPr>
-        <p:cNvPr id="1" name=""/>
-        <p:cNvGrpSpPr/>
-        <p:nvPr/>
-      </p:nvGrpSpPr>
-      <p:grpSpPr>
-        <a:xfrm>
-          <a:off x="0" y="0"/>
-          <a:ext cx="0" cy="0"/>
-          <a:chOff x="0" y="0"/>
-          <a:chExt cx="0" cy="0"/>
-        </a:xfrm>
-      </p:grpSpPr>
-      <p:sp>
-        <p:nvSpPr>
-          <p:cNvPr id="2" name="文本占位符 1"/>
-          <p:cNvSpPr>
-            <a:spLocks noGrp="1"/>
-          </p:cNvSpPr>
-          <p:nvPr>
-            <p:ph type="body" sz="quarter" idx="10"/>
-          </p:nvPr>
-        </p:nvSpPr>
-        <p:spPr/>
-        <p:txBody>
-          <a:bodyPr/>
-          <a:lstStyle/>
-          <a:p>
-            <a:r>
-              <a:rPr lang="zh-CN" altLang="en-US" smtClean="0"/>
-              <a:t>四种分类方法比较</a:t>
-            </a:r>
-            <a:endParaRPr lang="zh-CN" altLang="en-US" dirty="0"/>
-          </a:p>
-        </p:txBody>
-      </p:sp>
-      <p:sp>
-        <p:nvSpPr>
-          <p:cNvPr id="3" name="文本占位符 2"/>
-          <p:cNvSpPr>
-            <a:spLocks noGrp="1"/>
-          </p:cNvSpPr>
-          <p:nvPr>
-            <p:ph type="body" sz="quarter" idx="11"/>
-          </p:nvPr>
-        </p:nvSpPr>
-        <p:spPr/>
-        <p:txBody>
-          <a:bodyPr/>
-          <a:lstStyle/>
-          <a:p>
-            <a:r>
-              <a:rPr lang="en-US" altLang="zh-CN" sz="2400" dirty="0" smtClean="0"/>
-              <a:t>6</a:t>
-            </a:r>
-            <a:r>
-              <a:rPr lang="en-US" altLang="zh-CN" sz="2400" dirty="0" smtClean="0"/>
-              <a:t>-1</a:t>
+              <a:t>6-1</a:t>
             </a:r>
             <a:endParaRPr lang="zh-CN" altLang="en-US" sz="2400" dirty="0"/>
           </a:p>
@@ -8066,8 +7912,8 @@
         </p:nvSpPr>
         <p:spPr bwMode="auto">
           <a:xfrm>
-            <a:off x="1501804" y="1614364"/>
-            <a:ext cx="4242048" cy="369332"/>
+            <a:off x="1501804" y="1198867"/>
+            <a:ext cx="4242048" cy="1200329"/>
           </a:xfrm>
           <a:prstGeom prst="rect">
             <a:avLst/>
@@ -8132,17 +7978,62 @@
               <a:tabLst/>
             </a:pPr>
             <a:r>
+              <a:rPr lang="zh-CN" altLang="en-US" dirty="0" smtClean="0"/>
+              <a:t>评价标准：</a:t>
+            </a:r>
+            <a:r>
               <a:rPr lang="en-US" altLang="zh-CN" dirty="0" smtClean="0"/>
-              <a:t>       </a:t>
-            </a:r>
-            <a:r>
-              <a:rPr lang="zh-CN" altLang="zh-CN" dirty="0" smtClean="0"/>
-              <a:t>如</a:t>
-            </a:r>
-            <a:r>
-              <a:rPr lang="zh-CN" altLang="zh-CN" dirty="0"/>
-              <a:t>图所示，分别统计四种分类结果 </a:t>
-            </a:r>
+              <a:t>   </a:t>
+            </a:r>
+          </a:p>
+          <a:p>
+            <a:pPr marL="0" marR="0" lvl="0" indent="0" algn="l" defTabSz="914400" rtl="0" eaLnBrk="0" fontAlgn="base" latinLnBrk="0" hangingPunct="0">
+              <a:lnSpc>
+                <a:spcPct val="100000"/>
+              </a:lnSpc>
+              <a:spcBef>
+                <a:spcPct val="0"/>
+              </a:spcBef>
+              <a:spcAft>
+                <a:spcPct val="0"/>
+              </a:spcAft>
+              <a:buClrTx/>
+              <a:buSzTx/>
+              <a:buFontTx/>
+              <a:buNone/>
+              <a:tabLst/>
+            </a:pPr>
+            <a:r>
+              <a:rPr lang="en-US" altLang="zh-CN" dirty="0" smtClean="0"/>
+              <a:t>   </a:t>
+            </a:r>
+          </a:p>
+          <a:p>
+            <a:pPr marL="0" marR="0" lvl="0" indent="0" algn="l" defTabSz="914400" rtl="0" eaLnBrk="0" fontAlgn="base" latinLnBrk="0" hangingPunct="0">
+              <a:lnSpc>
+                <a:spcPct val="100000"/>
+              </a:lnSpc>
+              <a:spcBef>
+                <a:spcPct val="0"/>
+              </a:spcBef>
+              <a:spcAft>
+                <a:spcPct val="0"/>
+              </a:spcAft>
+              <a:buClrTx/>
+              <a:buSzTx/>
+              <a:buFontTx/>
+              <a:buNone/>
+              <a:tabLst/>
+            </a:pPr>
+            <a:r>
+              <a:rPr lang="en-US" altLang="zh-CN" dirty="0" smtClean="0"/>
+              <a:t> </a:t>
+            </a:r>
+            <a:r>
+              <a:rPr lang="zh-CN" altLang="en-US" dirty="0" smtClean="0"/>
+              <a:t>使用准确率，精度，召回率作为评价标准</a:t>
+            </a:r>
+            <a:endParaRPr lang="zh-CN" altLang="zh-CN" dirty="0"/>
           </a:p>
         </p:txBody>
       </p:sp>
@@ -8156,8 +8047,8 @@
         </p:nvSpPr>
         <p:spPr bwMode="auto">
           <a:xfrm>
-            <a:off x="1501804" y="3093236"/>
-            <a:ext cx="4728840" cy="1477328"/>
+            <a:off x="1501804" y="3231735"/>
+            <a:ext cx="4728840" cy="1200329"/>
           </a:xfrm>
           <a:prstGeom prst="rect">
             <a:avLst/>
@@ -8214,28 +8105,53 @@
               </a:spcAft>
             </a:pPr>
             <a:r>
-              <a:rPr lang="en-US" altLang="zh-CN" dirty="0"/>
-              <a:t> </a:t>
-            </a:r>
+              <a:rPr lang="zh-CN" altLang="en-US" dirty="0" smtClean="0"/>
+              <a:t>约束条件：</a:t>
+            </a:r>
+            <a:endParaRPr lang="en-US" altLang="zh-CN" dirty="0" smtClean="0"/>
+          </a:p>
+          <a:p>
+            <a:pPr lvl="0" defTabSz="914400" eaLnBrk="0" fontAlgn="base" hangingPunct="0">
+              <a:spcBef>
+                <a:spcPct val="0"/>
+              </a:spcBef>
+              <a:spcAft>
+                <a:spcPct val="0"/>
+              </a:spcAft>
+            </a:pPr>
             <a:r>
               <a:rPr lang="en-US" altLang="zh-CN" dirty="0" smtClean="0"/>
-              <a:t>      </a:t>
-            </a:r>
+              <a:t>       </a:t>
+            </a:r>
+          </a:p>
+          <a:p>
+            <a:pPr lvl="0" defTabSz="914400" eaLnBrk="0" fontAlgn="base" hangingPunct="0">
+              <a:spcBef>
+                <a:spcPct val="0"/>
+              </a:spcBef>
+              <a:spcAft>
+                <a:spcPct val="0"/>
+              </a:spcAft>
+            </a:pPr>
             <a:r>
               <a:rPr lang="zh-CN" altLang="en-US" dirty="0" smtClean="0"/>
               <a:t>考虑</a:t>
             </a:r>
             <a:r>
               <a:rPr lang="zh-CN" altLang="en-US" dirty="0"/>
-              <a:t>到本次分类的情景，为了尽可能多的找到购买服务的客户，应当在保证准确率的同时，尽可能增加真阳率，也就是增加类别为真的预测个数，甚至可以牺牲部分准确率来提高真阳</a:t>
+              <a:t>到本次分类的情景，为了尽可能多的找到购买服务的客户，</a:t>
+            </a:r>
+            <a:r>
+              <a:rPr lang="zh-CN" altLang="en-US" dirty="0" smtClean="0"/>
+              <a:t>应当尽可能</a:t>
+            </a:r>
+            <a:r>
+              <a:rPr lang="zh-CN" altLang="en-US" dirty="0"/>
+              <a:t>增加真阳</a:t>
             </a:r>
             <a:r>
               <a:rPr lang="zh-CN" altLang="en-US" dirty="0" smtClean="0"/>
               <a:t>率</a:t>
-            </a:r>
-            <a:r>
-              <a:rPr lang="zh-CN" altLang="zh-CN" dirty="0" smtClean="0"/>
-              <a:t> </a:t>
             </a:r>
             <a:endParaRPr lang="zh-CN" altLang="zh-CN" dirty="0"/>
           </a:p>
@@ -8249,8 +8165,8 @@
         </p:nvSpPr>
         <p:spPr>
           <a:xfrm>
-            <a:off x="1951607" y="5176157"/>
-            <a:ext cx="4279037" cy="369332"/>
+            <a:off x="1501804" y="5197919"/>
+            <a:ext cx="4279037" cy="923330"/>
           </a:xfrm>
           <a:prstGeom prst="rect">
             <a:avLst/>
@@ -8269,7 +8185,25 @@
             </a:r>
             <a:r>
               <a:rPr lang="zh-CN" altLang="en-US" dirty="0" smtClean="0"/>
-              <a:t>集选取：随机选取</a:t>
+              <a:t>集</a:t>
+            </a:r>
+            <a:r>
+              <a:rPr lang="zh-CN" altLang="en-US" dirty="0" smtClean="0"/>
+              <a:t>选取</a:t>
+            </a:r>
+            <a:endParaRPr lang="en-US" altLang="zh-CN" dirty="0" smtClean="0"/>
+          </a:p>
+          <a:p>
+            <a:endParaRPr lang="en-US" altLang="zh-CN" dirty="0"/>
+          </a:p>
+          <a:p>
+            <a:r>
+              <a:rPr lang="zh-CN" altLang="en-US" dirty="0" smtClean="0"/>
+              <a:t>随机</a:t>
+            </a:r>
+            <a:r>
+              <a:rPr lang="zh-CN" altLang="en-US" dirty="0" smtClean="0"/>
+              <a:t>选取</a:t>
             </a:r>
             <a:r>
               <a:rPr lang="en-US" altLang="zh-CN" dirty="0" smtClean="0"/>
@@ -9198,8 +9132,8 @@
         </p:nvSpPr>
         <p:spPr>
           <a:xfrm>
-            <a:off x="405416" y="1268208"/>
-            <a:ext cx="5772710" cy="4247317"/>
+            <a:off x="1080745" y="1749550"/>
+            <a:ext cx="5057309" cy="2862322"/>
           </a:xfrm>
           <a:prstGeom prst="rect">
             <a:avLst/>
@@ -9218,42 +9152,74 @@
             </a:pPr>
             <a:r>
               <a:rPr lang="zh-CN" altLang="en-US" dirty="0"/>
-              <a:t>对于所有的数值型属性，以平均值为轴，将所有的用例分为两类；对于所有的非数值型属性，每一个属性值分为一类。</a:t>
-            </a:r>
+              <a:t>对于所有的数值型属性，以平均值为轴，将所有的用例分为两类</a:t>
+            </a:r>
+            <a:r>
+              <a:rPr lang="zh-CN" altLang="en-US" dirty="0" smtClean="0"/>
+              <a:t>；</a:t>
+            </a:r>
+            <a:endParaRPr lang="en-US" altLang="zh-CN" dirty="0" smtClean="0"/>
           </a:p>
           <a:p>
             <a:pPr marL="285750" indent="-285750">
               <a:buFont typeface="Arial" panose="020B0604020202020204" pitchFamily="34" charset="0"/>
               <a:buChar char="•"/>
             </a:pPr>
-            <a:endParaRPr lang="zh-CN" altLang="en-US" dirty="0"/>
+            <a:endParaRPr lang="en-US" altLang="zh-CN" dirty="0"/>
           </a:p>
           <a:p>
             <a:pPr marL="285750" indent="-285750">
               <a:buFont typeface="Arial" panose="020B0604020202020204" pitchFamily="34" charset="0"/>
               <a:buChar char="•"/>
             </a:pPr>
-            <a:r>
-              <a:rPr lang="zh-CN" altLang="en-US" dirty="0"/>
-              <a:t>       以上述分类标准，为当前样例集合，计算当前属性集合中每一个属性的信息增益，找到信息增益最高的属性。如果是数值型属性，则按照大于平均值和小于等于平均值分出两棵子树；如果是非数值型数据，则为每一个属性值分出一棵子树。子树包含原样例集合中，符合分类标准的所有样例，属性集合中删除当前分类属性。递归为子树进行分类。</a:t>
-            </a:r>
+            <a:endParaRPr lang="en-US" altLang="zh-CN" dirty="0" smtClean="0"/>
           </a:p>
           <a:p>
             <a:pPr marL="285750" indent="-285750">
               <a:buFont typeface="Arial" panose="020B0604020202020204" pitchFamily="34" charset="0"/>
               <a:buChar char="•"/>
             </a:pPr>
-            <a:endParaRPr lang="zh-CN" altLang="en-US" dirty="0"/>
+            <a:endParaRPr lang="en-US" altLang="zh-CN" dirty="0"/>
           </a:p>
           <a:p>
             <a:pPr marL="285750" indent="-285750">
               <a:buFont typeface="Arial" panose="020B0604020202020204" pitchFamily="34" charset="0"/>
               <a:buChar char="•"/>
             </a:pPr>
+            <a:endParaRPr lang="en-US" altLang="zh-CN" dirty="0" smtClean="0"/>
+          </a:p>
+          <a:p>
+            <a:pPr marL="285750" indent="-285750">
+              <a:buFont typeface="Arial" panose="020B0604020202020204" pitchFamily="34" charset="0"/>
+              <a:buChar char="•"/>
+            </a:pPr>
+            <a:endParaRPr lang="en-US" altLang="zh-CN" dirty="0"/>
+          </a:p>
+          <a:p>
+            <a:pPr marL="285750" indent="-285750">
+              <a:buFont typeface="Arial" panose="020B0604020202020204" pitchFamily="34" charset="0"/>
+              <a:buChar char="•"/>
+            </a:pPr>
+            <a:endParaRPr lang="en-US" altLang="zh-CN" dirty="0" smtClean="0"/>
+          </a:p>
+          <a:p>
+            <a:pPr marL="285750" indent="-285750">
+              <a:buFont typeface="Arial" panose="020B0604020202020204" pitchFamily="34" charset="0"/>
+              <a:buChar char="•"/>
+            </a:pPr>
+            <a:r>
+              <a:rPr lang="zh-CN" altLang="en-US" dirty="0" smtClean="0"/>
+              <a:t>对于</a:t>
+            </a:r>
             <a:r>
               <a:rPr lang="zh-CN" altLang="en-US" dirty="0"/>
-              <a:t>       如果属性集合中属性数量为零，或者样例集合中样例数量为零，或者正负样例的比例达到了给定阈值，则不再对当前子树进行分类。</a:t>
-            </a:r>
+              <a:t>所有的非数值型属性，每一个属性值分为一类</a:t>
+            </a:r>
+            <a:r>
+              <a:rPr lang="zh-CN" altLang="en-US" dirty="0" smtClean="0"/>
+              <a:t>。</a:t>
+            </a:r>
+            <a:endParaRPr lang="zh-CN" altLang="en-US" dirty="0"/>
           </a:p>
         </p:txBody>
       </p:sp>
@@ -9327,11 +9293,7 @@
           <a:p>
             <a:r>
               <a:rPr lang="en-US" altLang="zh-CN" sz="2400" dirty="0" smtClean="0"/>
-              <a:t>2</a:t>
-            </a:r>
-            <a:r>
-              <a:rPr lang="en-US" altLang="zh-CN" sz="2400" dirty="0" smtClean="0"/>
-              <a:t>-2</a:t>
+              <a:t>2-2</a:t>
             </a:r>
             <a:endParaRPr lang="zh-CN" altLang="en-US" sz="2400" dirty="0"/>
           </a:p>
@@ -9970,11 +9932,7 @@
           <a:p>
             <a:r>
               <a:rPr lang="en-US" altLang="zh-CN" sz="2400" dirty="0" smtClean="0"/>
-              <a:t>2</a:t>
-            </a:r>
-            <a:r>
-              <a:rPr lang="en-US" altLang="zh-CN" sz="2400" dirty="0" smtClean="0"/>
-              <a:t>-3</a:t>
+              <a:t>2-4</a:t>
             </a:r>
             <a:endParaRPr lang="zh-CN" altLang="en-US" sz="2400" dirty="0"/>
           </a:p>
@@ -10009,187 +9967,6 @@
           </a:p>
         </p:txBody>
       </p:sp>
-      <p:pic>
-        <p:nvPicPr>
-          <p:cNvPr id="4" name="图片 3"/>
-          <p:cNvPicPr>
-            <a:picLocks noChangeAspect="1"/>
-          </p:cNvPicPr>
-          <p:nvPr/>
-        </p:nvPicPr>
-        <p:blipFill>
-          <a:blip r:embed="rId2"/>
-          <a:stretch>
-            <a:fillRect/>
-          </a:stretch>
-        </p:blipFill>
-        <p:spPr>
-          <a:xfrm>
-            <a:off x="1583046" y="1305342"/>
-            <a:ext cx="8173514" cy="2011597"/>
-          </a:xfrm>
-          <a:prstGeom prst="rect">
-            <a:avLst/>
-          </a:prstGeom>
-        </p:spPr>
-      </p:pic>
-      <p:pic>
-        <p:nvPicPr>
-          <p:cNvPr id="9" name="图片 8"/>
-          <p:cNvPicPr>
-            <a:picLocks noChangeAspect="1"/>
-          </p:cNvPicPr>
-          <p:nvPr/>
-        </p:nvPicPr>
-        <p:blipFill>
-          <a:blip r:embed="rId3"/>
-          <a:stretch>
-            <a:fillRect/>
-          </a:stretch>
-        </p:blipFill>
-        <p:spPr>
-          <a:xfrm>
-            <a:off x="2547891" y="3588891"/>
-            <a:ext cx="6705600" cy="2609850"/>
-          </a:xfrm>
-          <a:prstGeom prst="rect">
-            <a:avLst/>
-          </a:prstGeom>
-        </p:spPr>
-      </p:pic>
-    </p:spTree>
-    <p:extLst>
-      <p:ext uri="{BB962C8B-B14F-4D97-AF65-F5344CB8AC3E}">
-        <p14:creationId xmlns:p14="http://schemas.microsoft.com/office/powerpoint/2010/main" val="1464944134"/>
-      </p:ext>
-    </p:extLst>
-  </p:cSld>
-  <p:clrMapOvr>
-    <a:masterClrMapping/>
-  </p:clrMapOvr>
-</p:sld>
-</file>
-
-<file path=ppt/slides/slide6.xml><?xml version="1.0" encoding="utf-8"?>
-<p:sld xmlns:a="http://schemas.openxmlformats.org/drawingml/2006/main" xmlns:r="http://schemas.openxmlformats.org/officeDocument/2006/relationships" xmlns:p="http://schemas.openxmlformats.org/presentationml/2006/main">
-  <p:cSld>
-    <p:spTree>
-      <p:nvGrpSpPr>
-        <p:cNvPr id="1" name=""/>
-        <p:cNvGrpSpPr/>
-        <p:nvPr/>
-      </p:nvGrpSpPr>
-      <p:grpSpPr>
-        <a:xfrm>
-          <a:off x="0" y="0"/>
-          <a:ext cx="0" cy="0"/>
-          <a:chOff x="0" y="0"/>
-          <a:chExt cx="0" cy="0"/>
-        </a:xfrm>
-      </p:grpSpPr>
-      <p:sp>
-        <p:nvSpPr>
-          <p:cNvPr id="2" name="文本占位符 1"/>
-          <p:cNvSpPr>
-            <a:spLocks noGrp="1"/>
-          </p:cNvSpPr>
-          <p:nvPr>
-            <p:ph type="body" sz="quarter" idx="10"/>
-          </p:nvPr>
-        </p:nvSpPr>
-        <p:spPr/>
-        <p:txBody>
-          <a:bodyPr/>
-          <a:lstStyle/>
-          <a:p>
-            <a:r>
-              <a:rPr lang="zh-CN" altLang="en-US" dirty="0" smtClean="0"/>
-              <a:t>分类结果</a:t>
-            </a:r>
-            <a:endParaRPr lang="zh-CN" altLang="en-US" dirty="0"/>
-          </a:p>
-        </p:txBody>
-      </p:sp>
-      <p:sp>
-        <p:nvSpPr>
-          <p:cNvPr id="3" name="文本占位符 2"/>
-          <p:cNvSpPr>
-            <a:spLocks noGrp="1"/>
-          </p:cNvSpPr>
-          <p:nvPr>
-            <p:ph type="body" sz="quarter" idx="11"/>
-          </p:nvPr>
-        </p:nvSpPr>
-        <p:spPr/>
-        <p:txBody>
-          <a:bodyPr/>
-          <a:lstStyle/>
-          <a:p>
-            <a:r>
-              <a:rPr lang="en-US" altLang="zh-CN" sz="2400" dirty="0" smtClean="0"/>
-              <a:t>2</a:t>
-            </a:r>
-            <a:r>
-              <a:rPr lang="en-US" altLang="zh-CN" sz="2400" dirty="0" smtClean="0"/>
-              <a:t>-4</a:t>
-            </a:r>
-            <a:endParaRPr lang="zh-CN" altLang="en-US" sz="2400" dirty="0"/>
-          </a:p>
-        </p:txBody>
-      </p:sp>
-      <p:sp>
-        <p:nvSpPr>
-          <p:cNvPr id="6" name="矩形 5"/>
-          <p:cNvSpPr/>
-          <p:nvPr/>
-        </p:nvSpPr>
-        <p:spPr>
-          <a:xfrm>
-            <a:off x="886691" y="1305342"/>
-            <a:ext cx="5744928" cy="369332"/>
-          </a:xfrm>
-          <a:prstGeom prst="rect">
-            <a:avLst/>
-          </a:prstGeom>
-        </p:spPr>
-        <p:txBody>
-          <a:bodyPr wrap="square">
-            <a:spAutoFit/>
-          </a:bodyPr>
-          <a:lstStyle/>
-          <a:p>
-            <a:r>
-              <a:rPr lang="zh-CN" altLang="en-US" dirty="0" smtClean="0"/>
-              <a:t>        </a:t>
-            </a:r>
-            <a:endParaRPr lang="zh-CN" altLang="en-US" dirty="0"/>
-          </a:p>
-        </p:txBody>
-      </p:sp>
-      <p:pic>
-        <p:nvPicPr>
-          <p:cNvPr id="5" name="图片 4"/>
-          <p:cNvPicPr>
-            <a:picLocks noChangeAspect="1"/>
-          </p:cNvPicPr>
-          <p:nvPr/>
-        </p:nvPicPr>
-        <p:blipFill>
-          <a:blip r:embed="rId2"/>
-          <a:stretch>
-            <a:fillRect/>
-          </a:stretch>
-        </p:blipFill>
-        <p:spPr>
-          <a:xfrm>
-            <a:off x="1457325" y="1305342"/>
-            <a:ext cx="7367079" cy="1126997"/>
-          </a:xfrm>
-          <a:prstGeom prst="rect">
-            <a:avLst/>
-          </a:prstGeom>
-        </p:spPr>
-      </p:pic>
       <p:pic>
         <p:nvPicPr>
           <p:cNvPr id="8" name="图片 7"/>
@@ -10199,7 +9976,7 @@
           <p:nvPr/>
         </p:nvPicPr>
         <p:blipFill>
-          <a:blip r:embed="rId3">
+          <a:blip r:embed="rId2">
             <a:extLst>
               <a:ext uri="{28A0092B-C50C-407E-A947-70E740481C1C}">
                 <a14:useLocalDpi xmlns:a14="http://schemas.microsoft.com/office/drawing/2010/main" val="0"/>
@@ -10212,8 +9989,8 @@
         </p:blipFill>
         <p:spPr>
           <a:xfrm>
-            <a:off x="2351175" y="2308194"/>
-            <a:ext cx="6473229" cy="4380123"/>
+            <a:off x="1553589" y="652966"/>
+            <a:ext cx="9209559" cy="6231666"/>
           </a:xfrm>
           <a:prstGeom prst="rect">
             <a:avLst/>
@@ -10240,6 +10017,256 @@
 </p:sld>
 </file>
 
+<file path=ppt/slides/slide6.xml><?xml version="1.0" encoding="utf-8"?>
+<p:sld xmlns:a="http://schemas.openxmlformats.org/drawingml/2006/main" xmlns:r="http://schemas.openxmlformats.org/officeDocument/2006/relationships" xmlns:p="http://schemas.openxmlformats.org/presentationml/2006/main">
+  <p:cSld>
+    <p:spTree>
+      <p:nvGrpSpPr>
+        <p:cNvPr id="1" name=""/>
+        <p:cNvGrpSpPr/>
+        <p:nvPr/>
+      </p:nvGrpSpPr>
+      <p:grpSpPr>
+        <a:xfrm>
+          <a:off x="0" y="0"/>
+          <a:ext cx="0" cy="0"/>
+          <a:chOff x="0" y="0"/>
+          <a:chExt cx="0" cy="0"/>
+        </a:xfrm>
+      </p:grpSpPr>
+      <p:sp>
+        <p:nvSpPr>
+          <p:cNvPr id="2" name="文本占位符 1"/>
+          <p:cNvSpPr>
+            <a:spLocks noGrp="1"/>
+          </p:cNvSpPr>
+          <p:nvPr>
+            <p:ph type="body" sz="quarter" idx="10"/>
+          </p:nvPr>
+        </p:nvSpPr>
+        <p:spPr/>
+        <p:txBody>
+          <a:bodyPr/>
+          <a:lstStyle/>
+          <a:p>
+            <a:r>
+              <a:rPr lang="zh-CN" altLang="en-US" dirty="0" smtClean="0"/>
+              <a:t>朴素贝叶斯算法</a:t>
+            </a:r>
+            <a:endParaRPr lang="zh-CN" altLang="en-US" dirty="0"/>
+          </a:p>
+        </p:txBody>
+      </p:sp>
+      <p:sp>
+        <p:nvSpPr>
+          <p:cNvPr id="3" name="文本占位符 2"/>
+          <p:cNvSpPr>
+            <a:spLocks noGrp="1"/>
+          </p:cNvSpPr>
+          <p:nvPr>
+            <p:ph type="body" sz="quarter" idx="11"/>
+          </p:nvPr>
+        </p:nvSpPr>
+        <p:spPr/>
+        <p:txBody>
+          <a:bodyPr/>
+          <a:lstStyle/>
+          <a:p>
+            <a:r>
+              <a:rPr lang="en-US" altLang="zh-CN" sz="2400" dirty="0"/>
+              <a:t>3</a:t>
+            </a:r>
+            <a:r>
+              <a:rPr lang="en-US" altLang="zh-CN" sz="2400" dirty="0" smtClean="0"/>
+              <a:t>-1</a:t>
+            </a:r>
+            <a:endParaRPr lang="zh-CN" altLang="en-US" sz="2400" dirty="0"/>
+          </a:p>
+        </p:txBody>
+      </p:sp>
+      <p:sp>
+        <p:nvSpPr>
+          <p:cNvPr id="6" name="矩形 5"/>
+          <p:cNvSpPr/>
+          <p:nvPr/>
+        </p:nvSpPr>
+        <p:spPr>
+          <a:xfrm>
+            <a:off x="886691" y="1305342"/>
+            <a:ext cx="5744928" cy="369332"/>
+          </a:xfrm>
+          <a:prstGeom prst="rect">
+            <a:avLst/>
+          </a:prstGeom>
+        </p:spPr>
+        <p:txBody>
+          <a:bodyPr wrap="square">
+            <a:spAutoFit/>
+          </a:bodyPr>
+          <a:lstStyle/>
+          <a:p>
+            <a:r>
+              <a:rPr lang="zh-CN" altLang="en-US" dirty="0" smtClean="0"/>
+              <a:t>        </a:t>
+            </a:r>
+            <a:endParaRPr lang="zh-CN" altLang="en-US" dirty="0"/>
+          </a:p>
+        </p:txBody>
+      </p:sp>
+      <p:pic>
+        <p:nvPicPr>
+          <p:cNvPr id="4" name="图片 3"/>
+          <p:cNvPicPr>
+            <a:picLocks noChangeAspect="1"/>
+          </p:cNvPicPr>
+          <p:nvPr/>
+        </p:nvPicPr>
+        <p:blipFill>
+          <a:blip r:embed="rId2"/>
+          <a:stretch>
+            <a:fillRect/>
+          </a:stretch>
+        </p:blipFill>
+        <p:spPr>
+          <a:xfrm>
+            <a:off x="1193075" y="990118"/>
+            <a:ext cx="8562975" cy="4038600"/>
+          </a:xfrm>
+          <a:prstGeom prst="rect">
+            <a:avLst/>
+          </a:prstGeom>
+        </p:spPr>
+      </p:pic>
+      <p:sp>
+        <p:nvSpPr>
+          <p:cNvPr id="7" name="文本框 6"/>
+          <p:cNvSpPr txBox="1"/>
+          <p:nvPr/>
+        </p:nvSpPr>
+        <p:spPr>
+          <a:xfrm>
+            <a:off x="1491449" y="5501658"/>
+            <a:ext cx="9365941" cy="646331"/>
+          </a:xfrm>
+          <a:prstGeom prst="rect">
+            <a:avLst/>
+          </a:prstGeom>
+          <a:noFill/>
+        </p:spPr>
+        <p:txBody>
+          <a:bodyPr wrap="square" rtlCol="0">
+            <a:spAutoFit/>
+          </a:bodyPr>
+          <a:lstStyle/>
+          <a:p>
+            <a:r>
+              <a:rPr lang="zh-CN" altLang="en-US" dirty="0" smtClean="0"/>
+              <a:t>非数值型属性：</a:t>
+            </a:r>
+            <a:r>
+              <a:rPr lang="zh-CN" altLang="en-US" dirty="0"/>
+              <a:t>自成</a:t>
+            </a:r>
+            <a:r>
+              <a:rPr lang="zh-CN" altLang="en-US" dirty="0" smtClean="0"/>
+              <a:t>一类</a:t>
+            </a:r>
+            <a:endParaRPr lang="en-US" altLang="zh-CN" dirty="0"/>
+          </a:p>
+          <a:p>
+            <a:r>
+              <a:rPr lang="zh-CN" altLang="en-US" dirty="0" smtClean="0"/>
+              <a:t>数值型属性：    先</a:t>
+            </a:r>
+            <a:r>
+              <a:rPr lang="zh-CN" altLang="en-US" dirty="0"/>
+              <a:t>投影到</a:t>
+            </a:r>
+            <a:r>
+              <a:rPr lang="en-US" altLang="zh-CN" dirty="0"/>
+              <a:t>[0,1]</a:t>
+            </a:r>
+            <a:r>
+              <a:rPr lang="zh-CN" altLang="en-US" dirty="0"/>
+              <a:t>，然后分为</a:t>
+            </a:r>
+            <a:r>
+              <a:rPr lang="en-US" altLang="zh-CN" dirty="0"/>
+              <a:t>k</a:t>
+            </a:r>
+            <a:r>
+              <a:rPr lang="zh-CN" altLang="en-US" dirty="0"/>
+              <a:t>组，</a:t>
+            </a:r>
+            <a:r>
+              <a:rPr lang="en-US" altLang="zh-CN" dirty="0"/>
+              <a:t>[</a:t>
+            </a:r>
+            <a:r>
+              <a:rPr lang="en-US" altLang="zh-CN" dirty="0" smtClean="0"/>
+              <a:t>0</a:t>
+            </a:r>
+            <a:r>
+              <a:rPr lang="zh-CN" altLang="en-US" dirty="0" smtClean="0"/>
+              <a:t>，</a:t>
+            </a:r>
+            <a:r>
+              <a:rPr lang="en-US" altLang="zh-CN" dirty="0" smtClean="0"/>
+              <a:t>1/k</a:t>
+            </a:r>
+            <a:r>
+              <a:rPr lang="en-US" altLang="zh-CN" dirty="0"/>
+              <a:t>),[</a:t>
+            </a:r>
+            <a:r>
+              <a:rPr lang="en-US" altLang="zh-CN" dirty="0" smtClean="0"/>
+              <a:t>1/k</a:t>
+            </a:r>
+            <a:r>
+              <a:rPr lang="zh-CN" altLang="en-US" dirty="0" smtClean="0"/>
+              <a:t>，</a:t>
+            </a:r>
+            <a:r>
+              <a:rPr lang="en-US" altLang="zh-CN" dirty="0" smtClean="0"/>
+              <a:t>2/k</a:t>
+            </a:r>
+            <a:r>
+              <a:rPr lang="en-US" altLang="zh-CN" dirty="0"/>
+              <a:t>)…[(k-1)/</a:t>
+            </a:r>
+            <a:r>
+              <a:rPr lang="en-US" altLang="zh-CN" dirty="0" smtClean="0"/>
+              <a:t>k</a:t>
+            </a:r>
+            <a:r>
+              <a:rPr lang="zh-CN" altLang="en-US" dirty="0" smtClean="0"/>
+              <a:t>，</a:t>
+            </a:r>
+            <a:r>
+              <a:rPr lang="en-US" altLang="zh-CN" dirty="0" smtClean="0"/>
+              <a:t>1</a:t>
+            </a:r>
+            <a:r>
+              <a:rPr lang="en-US" altLang="zh-CN" dirty="0" smtClean="0"/>
+              <a:t>]</a:t>
+            </a:r>
+            <a:endParaRPr lang="en-US" altLang="zh-CN" dirty="0"/>
+          </a:p>
+        </p:txBody>
+      </p:sp>
+    </p:spTree>
+    <p:extLst>
+      <p:ext uri="{BB962C8B-B14F-4D97-AF65-F5344CB8AC3E}">
+        <p14:creationId xmlns:p14="http://schemas.microsoft.com/office/powerpoint/2010/main" val="95079579"/>
+      </p:ext>
+    </p:extLst>
+  </p:cSld>
+  <p:clrMapOvr>
+    <a:masterClrMapping/>
+  </p:clrMapOvr>
+</p:sld>
+</file>
+
 <file path=ppt/slides/slide7.xml><?xml version="1.0" encoding="utf-8"?>
 <p:sld xmlns:a="http://schemas.openxmlformats.org/drawingml/2006/main" xmlns:r="http://schemas.openxmlformats.org/officeDocument/2006/relationships" xmlns:p="http://schemas.openxmlformats.org/presentationml/2006/main">
   <p:cSld>
@@ -10274,7 +10301,7 @@
           <a:p>
             <a:r>
               <a:rPr lang="zh-CN" altLang="en-US" dirty="0" smtClean="0"/>
-              <a:t>朴素贝叶斯算法</a:t>
+              <a:t>正负样例平衡方法</a:t>
             </a:r>
             <a:endParaRPr lang="zh-CN" altLang="en-US" dirty="0"/>
           </a:p>
@@ -10296,12 +10323,8 @@
           <a:lstStyle/>
           <a:p>
             <a:r>
-              <a:rPr lang="en-US" altLang="zh-CN" sz="2400" dirty="0"/>
-              <a:t>3</a:t>
-            </a:r>
-            <a:r>
               <a:rPr lang="en-US" altLang="zh-CN" sz="2400" dirty="0" smtClean="0"/>
-              <a:t>-1</a:t>
+              <a:t>3-2</a:t>
             </a:r>
             <a:endParaRPr lang="zh-CN" altLang="en-US" sz="2400" dirty="0"/>
           </a:p>
@@ -10344,99 +10367,143 @@
           </p:cNvPicPr>
           <p:nvPr/>
         </p:nvPicPr>
+        <p:blipFill rotWithShape="1">
+          <a:blip r:embed="rId2"/>
+          <a:srcRect l="1" r="-136" b="75085"/>
+          <a:stretch/>
+        </p:blipFill>
+        <p:spPr>
+          <a:xfrm>
+            <a:off x="1504227" y="1561730"/>
+            <a:ext cx="8889322" cy="1518822"/>
+          </a:xfrm>
+          <a:prstGeom prst="rect">
+            <a:avLst/>
+          </a:prstGeom>
+        </p:spPr>
+      </p:pic>
+      <p:sp>
+        <p:nvSpPr>
+          <p:cNvPr id="14" name="右箭头 13"/>
+          <p:cNvSpPr/>
+          <p:nvPr/>
+        </p:nvSpPr>
+        <p:spPr>
+          <a:xfrm>
+            <a:off x="4900473" y="5314175"/>
+            <a:ext cx="727969" cy="156735"/>
+          </a:xfrm>
+          <a:prstGeom prst="rightArrow">
+            <a:avLst/>
+          </a:prstGeom>
+          <a:ln>
+            <a:noFill/>
+          </a:ln>
+        </p:spPr>
+        <p:style>
+          <a:lnRef idx="2">
+            <a:schemeClr val="accent1">
+              <a:shade val="50000"/>
+            </a:schemeClr>
+          </a:lnRef>
+          <a:fillRef idx="1">
+            <a:schemeClr val="accent1"/>
+          </a:fillRef>
+          <a:effectRef idx="0">
+            <a:schemeClr val="accent1"/>
+          </a:effectRef>
+          <a:fontRef idx="minor">
+            <a:schemeClr val="lt1"/>
+          </a:fontRef>
+        </p:style>
+        <p:txBody>
+          <a:bodyPr rtlCol="0" anchor="ctr"/>
+          <a:lstStyle/>
+          <a:p>
+            <a:pPr algn="ctr"/>
+            <a:endParaRPr kumimoji="1" lang="zh-CN" altLang="en-US">
+              <a:solidFill>
+                <a:schemeClr val="tx1"/>
+              </a:solidFill>
+            </a:endParaRPr>
+          </a:p>
+        </p:txBody>
+      </p:sp>
+      <p:pic>
+        <p:nvPicPr>
+          <p:cNvPr id="15" name="图片 14"/>
+          <p:cNvPicPr>
+            <a:picLocks noChangeAspect="1"/>
+          </p:cNvPicPr>
+          <p:nvPr/>
+        </p:nvPicPr>
         <p:blipFill>
-          <a:blip r:embed="rId2"/>
+          <a:blip r:embed="rId3"/>
           <a:stretch>
             <a:fillRect/>
           </a:stretch>
         </p:blipFill>
         <p:spPr>
           <a:xfrm>
-            <a:off x="1193075" y="990118"/>
-            <a:ext cx="8562975" cy="4038600"/>
+            <a:off x="6113848" y="5135367"/>
+            <a:ext cx="4438650" cy="514350"/>
           </a:xfrm>
           <a:prstGeom prst="rect">
             <a:avLst/>
           </a:prstGeom>
         </p:spPr>
       </p:pic>
-      <p:sp>
-        <p:nvSpPr>
-          <p:cNvPr id="7" name="文本框 6"/>
-          <p:cNvSpPr txBox="1"/>
+      <p:pic>
+        <p:nvPicPr>
+          <p:cNvPr id="16" name="图片 15"/>
+          <p:cNvPicPr>
+            <a:picLocks noChangeAspect="1"/>
+          </p:cNvPicPr>
           <p:nvPr/>
-        </p:nvSpPr>
-        <p:spPr>
-          <a:xfrm>
-            <a:off x="1491449" y="5501658"/>
-            <a:ext cx="9365941" cy="646331"/>
-          </a:xfrm>
-          <a:prstGeom prst="rect">
-            <a:avLst/>
-          </a:prstGeom>
-          <a:noFill/>
-        </p:spPr>
-        <p:txBody>
-          <a:bodyPr wrap="square" rtlCol="0">
-            <a:spAutoFit/>
-          </a:bodyPr>
-          <a:lstStyle/>
-          <a:p>
-            <a:r>
-              <a:rPr lang="zh-CN" altLang="en-US" dirty="0" smtClean="0"/>
-              <a:t>非数值型属性：</a:t>
-            </a:r>
-            <a:r>
-              <a:rPr lang="zh-CN" altLang="en-US" dirty="0"/>
-              <a:t>自成</a:t>
-            </a:r>
-            <a:r>
-              <a:rPr lang="zh-CN" altLang="en-US" dirty="0" smtClean="0"/>
-              <a:t>一类</a:t>
-            </a:r>
-            <a:endParaRPr lang="en-US" altLang="zh-CN" dirty="0"/>
-          </a:p>
-          <a:p>
-            <a:r>
-              <a:rPr lang="zh-CN" altLang="en-US" dirty="0" smtClean="0"/>
-              <a:t>数值型属性：    先</a:t>
-            </a:r>
-            <a:r>
-              <a:rPr lang="zh-CN" altLang="en-US" dirty="0"/>
-              <a:t>投影到</a:t>
-            </a:r>
-            <a:r>
-              <a:rPr lang="en-US" altLang="zh-CN" dirty="0"/>
-              <a:t>[0,1]</a:t>
-            </a:r>
-            <a:r>
-              <a:rPr lang="zh-CN" altLang="en-US" dirty="0"/>
-              <a:t>，然后分为</a:t>
-            </a:r>
-            <a:r>
-              <a:rPr lang="en-US" altLang="zh-CN" dirty="0"/>
-              <a:t>k</a:t>
-            </a:r>
-            <a:r>
-              <a:rPr lang="zh-CN" altLang="en-US" dirty="0"/>
-              <a:t>组，</a:t>
-            </a:r>
-            <a:r>
-              <a:rPr lang="en-US" altLang="zh-CN" dirty="0"/>
-              <a:t>[0,1/k),[1/k12/k)…[(k-1)/k,1</a:t>
-            </a:r>
-            <a:r>
-              <a:rPr lang="en-US" altLang="zh-CN" dirty="0" smtClean="0"/>
-              <a:t>]</a:t>
-            </a:r>
-            <a:endParaRPr lang="en-US" altLang="zh-CN" dirty="0"/>
-          </a:p>
-        </p:txBody>
-      </p:sp>
+        </p:nvPicPr>
+        <p:blipFill>
+          <a:blip r:embed="rId4"/>
+          <a:stretch>
+            <a:fillRect/>
+          </a:stretch>
+        </p:blipFill>
+        <p:spPr>
+          <a:xfrm>
+            <a:off x="1638825" y="2974484"/>
+            <a:ext cx="8620125" cy="1133475"/>
+          </a:xfrm>
+          <a:prstGeom prst="rect">
+            <a:avLst/>
+          </a:prstGeom>
+        </p:spPr>
+      </p:pic>
+      <p:pic>
+        <p:nvPicPr>
+          <p:cNvPr id="17" name="图片 16"/>
+          <p:cNvPicPr>
+            <a:picLocks noChangeAspect="1"/>
+          </p:cNvPicPr>
+          <p:nvPr/>
+        </p:nvPicPr>
+        <p:blipFill rotWithShape="1">
+          <a:blip r:embed="rId3"/>
+          <a:srcRect t="-300" r="35510" b="2411"/>
+          <a:stretch/>
+        </p:blipFill>
+        <p:spPr>
+          <a:xfrm>
+            <a:off x="1141322" y="5133823"/>
+            <a:ext cx="2862507" cy="503498"/>
+          </a:xfrm>
+          <a:prstGeom prst="rect">
+            <a:avLst/>
+          </a:prstGeom>
+        </p:spPr>
+      </p:pic>
     </p:spTree>
     <p:extLst>
       <p:ext uri="{BB962C8B-B14F-4D97-AF65-F5344CB8AC3E}">
-        <p14:creationId xmlns:p14="http://schemas.microsoft.com/office/powerpoint/2010/main" val="95079579"/>
+        <p14:creationId xmlns:p14="http://schemas.microsoft.com/office/powerpoint/2010/main" val="1351509199"/>
       </p:ext>
     </p:extLst>
   </p:cSld>
@@ -10480,7 +10547,7 @@
           <a:p>
             <a:r>
               <a:rPr lang="zh-CN" altLang="en-US" dirty="0" smtClean="0"/>
-              <a:t>正负样例平衡方法</a:t>
+              <a:t>分类结果</a:t>
             </a:r>
             <a:endParaRPr lang="zh-CN" altLang="en-US" dirty="0"/>
           </a:p>
@@ -10503,11 +10570,7 @@
           <a:p>
             <a:r>
               <a:rPr lang="en-US" altLang="zh-CN" sz="2400" dirty="0" smtClean="0"/>
-              <a:t>3</a:t>
-            </a:r>
-            <a:r>
-              <a:rPr lang="en-US" altLang="zh-CN" sz="2400" dirty="0" smtClean="0"/>
-              <a:t>-2</a:t>
+              <a:t>3-3</a:t>
             </a:r>
             <a:endParaRPr lang="zh-CN" altLang="en-US" sz="2400" dirty="0"/>
           </a:p>
@@ -10544,149 +10607,113 @@
       </p:sp>
       <p:pic>
         <p:nvPicPr>
-          <p:cNvPr id="4" name="图片 3"/>
-          <p:cNvPicPr>
-            <a:picLocks noChangeAspect="1"/>
-          </p:cNvPicPr>
-          <p:nvPr/>
-        </p:nvPicPr>
-        <p:blipFill rotWithShape="1">
-          <a:blip r:embed="rId2"/>
-          <a:srcRect l="1" r="-136" b="75085"/>
-          <a:stretch/>
-        </p:blipFill>
-        <p:spPr>
-          <a:xfrm>
-            <a:off x="1504227" y="1561730"/>
-            <a:ext cx="8889322" cy="1518822"/>
-          </a:xfrm>
-          <a:prstGeom prst="rect">
-            <a:avLst/>
-          </a:prstGeom>
-        </p:spPr>
-      </p:pic>
-      <p:sp>
-        <p:nvSpPr>
-          <p:cNvPr id="14" name="右箭头 13"/>
-          <p:cNvSpPr/>
-          <p:nvPr/>
-        </p:nvSpPr>
-        <p:spPr>
-          <a:xfrm>
-            <a:off x="4900473" y="5314175"/>
-            <a:ext cx="727969" cy="156735"/>
-          </a:xfrm>
-          <a:prstGeom prst="rightArrow">
-            <a:avLst/>
-          </a:prstGeom>
-          <a:ln>
-            <a:noFill/>
-          </a:ln>
-        </p:spPr>
-        <p:style>
-          <a:lnRef idx="2">
-            <a:schemeClr val="accent1">
-              <a:shade val="50000"/>
-            </a:schemeClr>
-          </a:lnRef>
-          <a:fillRef idx="1">
-            <a:schemeClr val="accent1"/>
-          </a:fillRef>
-          <a:effectRef idx="0">
-            <a:schemeClr val="accent1"/>
-          </a:effectRef>
-          <a:fontRef idx="minor">
-            <a:schemeClr val="lt1"/>
-          </a:fontRef>
-        </p:style>
-        <p:txBody>
-          <a:bodyPr rtlCol="0" anchor="ctr"/>
-          <a:lstStyle/>
-          <a:p>
-            <a:pPr algn="ctr"/>
-            <a:endParaRPr kumimoji="1" lang="zh-CN" altLang="en-US">
-              <a:solidFill>
-                <a:schemeClr val="tx1"/>
-              </a:solidFill>
-            </a:endParaRPr>
-          </a:p>
-        </p:txBody>
-      </p:sp>
-      <p:pic>
-        <p:nvPicPr>
-          <p:cNvPr id="15" name="图片 14"/>
+          <p:cNvPr id="8" name="图片 7"/>
           <p:cNvPicPr>
             <a:picLocks noChangeAspect="1"/>
           </p:cNvPicPr>
           <p:nvPr/>
         </p:nvPicPr>
         <p:blipFill>
-          <a:blip r:embed="rId3"/>
+          <a:blip r:embed="rId2">
+            <a:extLst>
+              <a:ext uri="{28A0092B-C50C-407E-A947-70E740481C1C}">
+                <a14:useLocalDpi xmlns:a14="http://schemas.microsoft.com/office/drawing/2010/main" val="0"/>
+              </a:ext>
+            </a:extLst>
+          </a:blip>
           <a:stretch>
             <a:fillRect/>
           </a:stretch>
         </p:blipFill>
         <p:spPr>
           <a:xfrm>
-            <a:off x="6113848" y="5135367"/>
-            <a:ext cx="4438650" cy="514350"/>
+            <a:off x="4526909" y="1305342"/>
+            <a:ext cx="6997012" cy="4734542"/>
           </a:xfrm>
           <a:prstGeom prst="rect">
             <a:avLst/>
           </a:prstGeom>
         </p:spPr>
       </p:pic>
-      <p:pic>
-        <p:nvPicPr>
-          <p:cNvPr id="16" name="图片 15"/>
-          <p:cNvPicPr>
-            <a:picLocks noChangeAspect="1"/>
-          </p:cNvPicPr>
+      <p:sp>
+        <p:nvSpPr>
+          <p:cNvPr id="10" name="矩形 9"/>
+          <p:cNvSpPr/>
           <p:nvPr/>
-        </p:nvPicPr>
-        <p:blipFill>
-          <a:blip r:embed="rId4"/>
-          <a:stretch>
-            <a:fillRect/>
-          </a:stretch>
-        </p:blipFill>
-        <p:spPr>
-          <a:xfrm>
-            <a:off x="1638825" y="2974484"/>
-            <a:ext cx="8620125" cy="1133475"/>
-          </a:xfrm>
-          <a:prstGeom prst="rect">
-            <a:avLst/>
-          </a:prstGeom>
-        </p:spPr>
-      </p:pic>
-      <p:pic>
-        <p:nvPicPr>
-          <p:cNvPr id="17" name="图片 16"/>
-          <p:cNvPicPr>
-            <a:picLocks noChangeAspect="1"/>
-          </p:cNvPicPr>
-          <p:nvPr/>
-        </p:nvPicPr>
-        <p:blipFill rotWithShape="1">
-          <a:blip r:embed="rId3"/>
-          <a:srcRect t="-300" r="35510" b="2411"/>
-          <a:stretch/>
-        </p:blipFill>
-        <p:spPr>
-          <a:xfrm>
-            <a:off x="1141322" y="5133823"/>
-            <a:ext cx="2862507" cy="503498"/>
-          </a:xfrm>
-          <a:prstGeom prst="rect">
-            <a:avLst/>
-          </a:prstGeom>
-        </p:spPr>
-      </p:pic>
+        </p:nvSpPr>
+        <p:spPr>
+          <a:xfrm>
+            <a:off x="739806" y="1825953"/>
+            <a:ext cx="3645763" cy="3139321"/>
+          </a:xfrm>
+          <a:prstGeom prst="rect">
+            <a:avLst/>
+          </a:prstGeom>
+        </p:spPr>
+        <p:txBody>
+          <a:bodyPr wrap="square">
+            <a:spAutoFit/>
+          </a:bodyPr>
+          <a:lstStyle/>
+          <a:p>
+            <a:r>
+              <a:rPr lang="zh-CN" altLang="en-US" dirty="0" smtClean="0"/>
+              <a:t>准确度：</a:t>
+            </a:r>
+            <a:endParaRPr lang="en-US" altLang="zh-CN" dirty="0" smtClean="0"/>
+          </a:p>
+          <a:p>
+            <a:endParaRPr lang="en-US" altLang="zh-CN" dirty="0"/>
+          </a:p>
+          <a:p>
+            <a:endParaRPr lang="en-US" altLang="zh-CN" dirty="0" smtClean="0"/>
+          </a:p>
+          <a:p>
+            <a:endParaRPr lang="en-US" altLang="zh-CN" dirty="0"/>
+          </a:p>
+          <a:p>
+            <a:endParaRPr lang="en-US" altLang="zh-CN" dirty="0" smtClean="0"/>
+          </a:p>
+          <a:p>
+            <a:r>
+              <a:rPr lang="zh-CN" altLang="en-US" dirty="0" smtClean="0"/>
+              <a:t>小样本集：</a:t>
+            </a:r>
+            <a:r>
+              <a:rPr lang="en-US" altLang="zh-CN" dirty="0" smtClean="0"/>
+              <a:t>0.8923948220064726</a:t>
+            </a:r>
+            <a:endParaRPr lang="en-US" altLang="zh-CN" dirty="0"/>
+          </a:p>
+          <a:p>
+            <a:endParaRPr lang="en-US" altLang="zh-CN" dirty="0" smtClean="0"/>
+          </a:p>
+          <a:p>
+            <a:endParaRPr lang="en-US" altLang="zh-CN" dirty="0"/>
+          </a:p>
+          <a:p>
+            <a:endParaRPr lang="en-US" altLang="zh-CN" dirty="0" smtClean="0"/>
+          </a:p>
+          <a:p>
+            <a:endParaRPr lang="en-US" altLang="zh-CN" dirty="0"/>
+          </a:p>
+          <a:p>
+            <a:r>
+              <a:rPr lang="zh-CN" altLang="en-US" dirty="0" smtClean="0"/>
+              <a:t>大样本集：</a:t>
+            </a:r>
+            <a:r>
+              <a:rPr lang="en-US" altLang="zh-CN" dirty="0" smtClean="0"/>
+              <a:t>0.8633972647082626</a:t>
+            </a:r>
+            <a:endParaRPr lang="en-US" altLang="zh-CN" dirty="0"/>
+          </a:p>
+        </p:txBody>
+      </p:sp>
     </p:spTree>
     <p:extLst>
       <p:ext uri="{BB962C8B-B14F-4D97-AF65-F5344CB8AC3E}">
-        <p14:creationId xmlns:p14="http://schemas.microsoft.com/office/powerpoint/2010/main" val="1351509199"/>
+        <p14:creationId xmlns:p14="http://schemas.microsoft.com/office/powerpoint/2010/main" val="2206997220"/>
       </p:ext>
     </p:extLst>
   </p:cSld>
@@ -10729,8 +10756,12 @@
           <a:lstStyle/>
           <a:p>
             <a:r>
+              <a:rPr lang="en-US" altLang="zh-CN" dirty="0" smtClean="0"/>
+              <a:t>K-NN</a:t>
+            </a:r>
+            <a:r>
               <a:rPr lang="zh-CN" altLang="en-US" dirty="0" smtClean="0"/>
-              <a:t>分类结果</a:t>
+              <a:t>算法</a:t>
             </a:r>
             <a:endParaRPr lang="zh-CN" altLang="en-US" dirty="0"/>
           </a:p>
@@ -10752,12 +10783,12 @@
           <a:lstStyle/>
           <a:p>
             <a:r>
+              <a:rPr lang="en-US" altLang="zh-CN" sz="2400" dirty="0"/>
+              <a:t>4</a:t>
+            </a:r>
+            <a:r>
               <a:rPr lang="en-US" altLang="zh-CN" sz="2400" dirty="0" smtClean="0"/>
-              <a:t>3</a:t>
-            </a:r>
-            <a:r>
-              <a:rPr lang="en-US" altLang="zh-CN" sz="2400" dirty="0" smtClean="0"/>
-              <a:t>-3</a:t>
+              <a:t>-1</a:t>
             </a:r>
             <a:endParaRPr lang="zh-CN" altLang="en-US" sz="2400" dirty="0"/>
           </a:p>
@@ -10794,145 +10825,32 @@
       </p:sp>
       <p:pic>
         <p:nvPicPr>
-          <p:cNvPr id="8" name="图片 7"/>
+          <p:cNvPr id="5" name="图片 4"/>
           <p:cNvPicPr>
             <a:picLocks noChangeAspect="1"/>
           </p:cNvPicPr>
           <p:nvPr/>
         </p:nvPicPr>
         <p:blipFill>
-          <a:blip r:embed="rId2">
-            <a:extLst>
-              <a:ext uri="{28A0092B-C50C-407E-A947-70E740481C1C}">
-                <a14:useLocalDpi xmlns:a14="http://schemas.microsoft.com/office/drawing/2010/main" val="0"/>
-              </a:ext>
-            </a:extLst>
-          </a:blip>
+          <a:blip r:embed="rId2"/>
           <a:stretch>
             <a:fillRect/>
           </a:stretch>
         </p:blipFill>
         <p:spPr>
           <a:xfrm>
-            <a:off x="4526909" y="1305342"/>
-            <a:ext cx="6997012" cy="4734542"/>
+            <a:off x="1466850" y="1585912"/>
+            <a:ext cx="9258300" cy="3686175"/>
           </a:xfrm>
           <a:prstGeom prst="rect">
             <a:avLst/>
           </a:prstGeom>
         </p:spPr>
       </p:pic>
-      <p:sp>
-        <p:nvSpPr>
-          <p:cNvPr id="10" name="矩形 9"/>
-          <p:cNvSpPr/>
-          <p:nvPr/>
-        </p:nvSpPr>
-        <p:spPr>
-          <a:xfrm>
-            <a:off x="739806" y="1825953"/>
-            <a:ext cx="3645763" cy="3416320"/>
-          </a:xfrm>
-          <a:prstGeom prst="rect">
-            <a:avLst/>
-          </a:prstGeom>
-        </p:spPr>
-        <p:txBody>
-          <a:bodyPr wrap="square">
-            <a:spAutoFit/>
-          </a:bodyPr>
-          <a:lstStyle/>
-          <a:p>
-            <a:r>
-              <a:rPr lang="zh-CN" altLang="en-US" dirty="0"/>
-              <a:t>对于小样本集</a:t>
-            </a:r>
-            <a:r>
-              <a:rPr lang="en-US" altLang="zh-CN" dirty="0"/>
-              <a:t>bank-additional</a:t>
-            </a:r>
-            <a:r>
-              <a:rPr lang="zh-CN" altLang="en-US" dirty="0"/>
-              <a:t>，分类正确可以达到</a:t>
-            </a:r>
-            <a:r>
-              <a:rPr lang="en-US" altLang="zh-CN" dirty="0"/>
-              <a:t>0.8923948220064726</a:t>
-            </a:r>
-          </a:p>
-          <a:p>
-            <a:endParaRPr lang="en-US" altLang="zh-CN" dirty="0"/>
-          </a:p>
-          <a:p>
-            <a:r>
-              <a:rPr lang="zh-CN" altLang="en-US" dirty="0" smtClean="0"/>
-              <a:t>对于</a:t>
-            </a:r>
-            <a:r>
-              <a:rPr lang="zh-CN" altLang="en-US" dirty="0"/>
-              <a:t>大样本集</a:t>
-            </a:r>
-            <a:r>
-              <a:rPr lang="en-US" altLang="zh-CN" dirty="0"/>
-              <a:t>bank-additional-full</a:t>
-            </a:r>
-            <a:r>
-              <a:rPr lang="zh-CN" altLang="en-US" dirty="0"/>
-              <a:t>，分类准确度可以达到</a:t>
-            </a:r>
-            <a:r>
-              <a:rPr lang="en-US" altLang="zh-CN" dirty="0"/>
-              <a:t>0.8633972647082626</a:t>
-            </a:r>
-          </a:p>
-          <a:p>
-            <a:endParaRPr lang="en-US" altLang="zh-CN" dirty="0"/>
-          </a:p>
-          <a:p>
-            <a:r>
-              <a:rPr lang="zh-CN" altLang="en-US" dirty="0" smtClean="0"/>
-              <a:t>对于</a:t>
-            </a:r>
-            <a:r>
-              <a:rPr lang="zh-CN" altLang="en-US" dirty="0"/>
-              <a:t>大样本，改变数值型属性的分组策略，会影响到最终的分类结果</a:t>
-            </a:r>
-            <a:r>
-              <a:rPr lang="zh-CN" altLang="en-US" dirty="0" smtClean="0"/>
-              <a:t>。右图</a:t>
-            </a:r>
-            <a:r>
-              <a:rPr lang="zh-CN" altLang="en-US" dirty="0"/>
-              <a:t>是在等宽分组策略下，对应的</a:t>
-            </a:r>
-            <a:r>
-              <a:rPr lang="en-US" altLang="zh-CN" dirty="0"/>
-              <a:t>Precision</a:t>
-            </a:r>
-            <a:r>
-              <a:rPr lang="zh-CN" altLang="en-US" dirty="0"/>
-              <a:t>，</a:t>
-            </a:r>
-            <a:r>
-              <a:rPr lang="en-US" altLang="zh-CN" dirty="0"/>
-              <a:t>Recall</a:t>
-            </a:r>
-            <a:r>
-              <a:rPr lang="zh-CN" altLang="en-US" dirty="0"/>
-              <a:t>，</a:t>
-            </a:r>
-            <a:r>
-              <a:rPr lang="en-US" altLang="zh-CN" dirty="0"/>
-              <a:t>Accuracy</a:t>
-            </a:r>
-            <a:endParaRPr lang="zh-CN" altLang="en-US" dirty="0"/>
-          </a:p>
-        </p:txBody>
-      </p:sp>
     </p:spTree>
     <p:extLst>
       <p:ext uri="{BB962C8B-B14F-4D97-AF65-F5344CB8AC3E}">
-        <p14:creationId xmlns:p14="http://schemas.microsoft.com/office/powerpoint/2010/main" val="2206997220"/>
+        <p14:creationId xmlns:p14="http://schemas.microsoft.com/office/powerpoint/2010/main" val="1058793319"/>
       </p:ext>
     </p:extLst>
   </p:cSld>
